--- a/Chapter3_신경망.pptx
+++ b/Chapter3_신경망.pptx
@@ -34,8 +34,30 @@
     <p:sldId id="287" r:id="rId28"/>
     <p:sldId id="288" r:id="rId29"/>
     <p:sldId id="289" r:id="rId30"/>
-    <p:sldId id="290" r:id="rId31"/>
-    <p:sldId id="257" r:id="rId32"/>
+    <p:sldId id="257" r:id="rId31"/>
+    <p:sldId id="290" r:id="rId32"/>
+    <p:sldId id="291" r:id="rId33"/>
+    <p:sldId id="292" r:id="rId34"/>
+    <p:sldId id="293" r:id="rId35"/>
+    <p:sldId id="294" r:id="rId36"/>
+    <p:sldId id="295" r:id="rId37"/>
+    <p:sldId id="296" r:id="rId38"/>
+    <p:sldId id="297" r:id="rId39"/>
+    <p:sldId id="298" r:id="rId40"/>
+    <p:sldId id="299" r:id="rId41"/>
+    <p:sldId id="300" r:id="rId42"/>
+    <p:sldId id="301" r:id="rId43"/>
+    <p:sldId id="302" r:id="rId44"/>
+    <p:sldId id="303" r:id="rId45"/>
+    <p:sldId id="304" r:id="rId46"/>
+    <p:sldId id="305" r:id="rId47"/>
+    <p:sldId id="306" r:id="rId48"/>
+    <p:sldId id="307" r:id="rId49"/>
+    <p:sldId id="308" r:id="rId50"/>
+    <p:sldId id="309" r:id="rId51"/>
+    <p:sldId id="310" r:id="rId52"/>
+    <p:sldId id="311" r:id="rId53"/>
+    <p:sldId id="312" r:id="rId54"/>
   </p:sldIdLst>
   <p:sldSz cx="12192000" cy="6858000"/>
   <p:notesSz cx="6858000" cy="9144000"/>
@@ -273,7 +295,7 @@
           <a:p>
             <a:fld id="{C1E47E2E-21E8-4D6D-BDEA-E3BDD821CFBE}" type="datetimeFigureOut">
               <a:rPr lang="ko-KR" altLang="en-US" smtClean="0"/>
-              <a:t>2018-01-13</a:t>
+              <a:t>2018-01-25</a:t>
             </a:fld>
             <a:endParaRPr lang="ko-KR" altLang="en-US"/>
           </a:p>
@@ -443,7 +465,7 @@
           <a:p>
             <a:fld id="{C1E47E2E-21E8-4D6D-BDEA-E3BDD821CFBE}" type="datetimeFigureOut">
               <a:rPr lang="ko-KR" altLang="en-US" smtClean="0"/>
-              <a:t>2018-01-13</a:t>
+              <a:t>2018-01-25</a:t>
             </a:fld>
             <a:endParaRPr lang="ko-KR" altLang="en-US"/>
           </a:p>
@@ -623,7 +645,7 @@
           <a:p>
             <a:fld id="{C1E47E2E-21E8-4D6D-BDEA-E3BDD821CFBE}" type="datetimeFigureOut">
               <a:rPr lang="ko-KR" altLang="en-US" smtClean="0"/>
-              <a:t>2018-01-13</a:t>
+              <a:t>2018-01-25</a:t>
             </a:fld>
             <a:endParaRPr lang="ko-KR" altLang="en-US"/>
           </a:p>
@@ -827,7 +849,7 @@
           <a:p>
             <a:fld id="{C1E47E2E-21E8-4D6D-BDEA-E3BDD821CFBE}" type="datetimeFigureOut">
               <a:rPr lang="ko-KR" altLang="en-US" smtClean="0"/>
-              <a:t>2018-01-13</a:t>
+              <a:t>2018-01-25</a:t>
             </a:fld>
             <a:endParaRPr lang="ko-KR" altLang="en-US"/>
           </a:p>
@@ -1073,7 +1095,7 @@
           <a:p>
             <a:fld id="{C1E47E2E-21E8-4D6D-BDEA-E3BDD821CFBE}" type="datetimeFigureOut">
               <a:rPr lang="ko-KR" altLang="en-US" smtClean="0"/>
-              <a:t>2018-01-13</a:t>
+              <a:t>2018-01-25</a:t>
             </a:fld>
             <a:endParaRPr lang="ko-KR" altLang="en-US"/>
           </a:p>
@@ -1352,7 +1374,7 @@
           <a:p>
             <a:fld id="{C1E47E2E-21E8-4D6D-BDEA-E3BDD821CFBE}" type="datetimeFigureOut">
               <a:rPr lang="ko-KR" altLang="en-US" smtClean="0"/>
-              <a:t>2018-01-13</a:t>
+              <a:t>2018-01-25</a:t>
             </a:fld>
             <a:endParaRPr lang="ko-KR" altLang="en-US"/>
           </a:p>
@@ -1719,7 +1741,7 @@
           <a:p>
             <a:fld id="{C1E47E2E-21E8-4D6D-BDEA-E3BDD821CFBE}" type="datetimeFigureOut">
               <a:rPr lang="ko-KR" altLang="en-US" smtClean="0"/>
-              <a:t>2018-01-13</a:t>
+              <a:t>2018-01-25</a:t>
             </a:fld>
             <a:endParaRPr lang="ko-KR" altLang="en-US"/>
           </a:p>
@@ -1837,7 +1859,7 @@
           <a:p>
             <a:fld id="{C1E47E2E-21E8-4D6D-BDEA-E3BDD821CFBE}" type="datetimeFigureOut">
               <a:rPr lang="ko-KR" altLang="en-US" smtClean="0"/>
-              <a:t>2018-01-13</a:t>
+              <a:t>2018-01-25</a:t>
             </a:fld>
             <a:endParaRPr lang="ko-KR" altLang="en-US"/>
           </a:p>
@@ -1932,7 +1954,7 @@
           <a:p>
             <a:fld id="{C1E47E2E-21E8-4D6D-BDEA-E3BDD821CFBE}" type="datetimeFigureOut">
               <a:rPr lang="ko-KR" altLang="en-US" smtClean="0"/>
-              <a:t>2018-01-13</a:t>
+              <a:t>2018-01-25</a:t>
             </a:fld>
             <a:endParaRPr lang="ko-KR" altLang="en-US"/>
           </a:p>
@@ -2209,7 +2231,7 @@
           <a:p>
             <a:fld id="{C1E47E2E-21E8-4D6D-BDEA-E3BDD821CFBE}" type="datetimeFigureOut">
               <a:rPr lang="ko-KR" altLang="en-US" smtClean="0"/>
-              <a:t>2018-01-13</a:t>
+              <a:t>2018-01-25</a:t>
             </a:fld>
             <a:endParaRPr lang="ko-KR" altLang="en-US"/>
           </a:p>
@@ -2462,7 +2484,7 @@
           <a:p>
             <a:fld id="{C1E47E2E-21E8-4D6D-BDEA-E3BDD821CFBE}" type="datetimeFigureOut">
               <a:rPr lang="ko-KR" altLang="en-US" smtClean="0"/>
-              <a:t>2018-01-13</a:t>
+              <a:t>2018-01-25</a:t>
             </a:fld>
             <a:endParaRPr lang="ko-KR" altLang="en-US"/>
           </a:p>
@@ -2675,7 +2697,7 @@
           <a:p>
             <a:fld id="{C1E47E2E-21E8-4D6D-BDEA-E3BDD821CFBE}" type="datetimeFigureOut">
               <a:rPr lang="ko-KR" altLang="en-US" smtClean="0"/>
-              <a:t>2018-01-13</a:t>
+              <a:t>2018-01-25</a:t>
             </a:fld>
             <a:endParaRPr lang="ko-KR" altLang="en-US"/>
           </a:p>
@@ -7452,7 +7474,7 @@
       </p:grpSpPr>
       <p:sp>
         <p:nvSpPr>
-          <p:cNvPr id="2" name="제목 1"/>
+          <p:cNvPr id="5" name="제목 4"/>
           <p:cNvSpPr>
             <a:spLocks noGrp="1"/>
           </p:cNvSpPr>
@@ -7462,24 +7484,75 @@
         </p:nvSpPr>
         <p:spPr>
           <a:xfrm>
-            <a:off x="838200" y="365125"/>
-            <a:ext cx="10515600" cy="5039388"/>
+            <a:off x="988326" y="1593424"/>
+            <a:ext cx="10515600" cy="4070397"/>
           </a:xfrm>
         </p:spPr>
         <p:txBody>
-          <a:bodyPr>
-            <a:normAutofit/>
-          </a:bodyPr>
+          <a:bodyPr/>
           <a:lstStyle/>
           <a:p>
             <a:r>
               <a:rPr lang="ko-KR" altLang="en-US" dirty="0" smtClean="0"/>
-              <a:t>오늘은 여기까지</a:t>
-            </a:r>
-            <a:r>
-              <a:rPr lang="en-US" altLang="ko-KR" dirty="0" smtClean="0"/>
-              <a:t>~~</a:t>
-            </a:r>
+              <a:t>우리는 </a:t>
+            </a:r>
+            <a:r>
+              <a:rPr lang="ko-KR" altLang="en-US" dirty="0" smtClean="0">
+                <a:solidFill>
+                  <a:srgbClr val="00B050"/>
+                </a:solidFill>
+              </a:rPr>
+              <a:t>고유하게</a:t>
+            </a:r>
+            <a:r>
+              <a:rPr lang="ko-KR" altLang="en-US" dirty="0" smtClean="0"/>
+              <a:t> 태어났다</a:t>
+            </a:r>
+            <a:r>
+              <a:rPr lang="en-US" altLang="ko-KR" dirty="0" smtClean="0"/>
+              <a:t>.</a:t>
+            </a:r>
+            <a:br>
+              <a:rPr lang="en-US" altLang="ko-KR" dirty="0" smtClean="0"/>
+            </a:br>
+            <a:r>
+              <a:rPr lang="en-US" altLang="ko-KR" dirty="0"/>
+              <a:t/>
+            </a:r>
+            <a:br>
+              <a:rPr lang="en-US" altLang="ko-KR" dirty="0"/>
+            </a:br>
+            <a:r>
+              <a:rPr lang="en-US" altLang="ko-KR" dirty="0" smtClean="0"/>
+              <a:t>	</a:t>
+            </a:r>
+            <a:r>
+              <a:rPr lang="ko-KR" altLang="en-US" dirty="0" smtClean="0"/>
+              <a:t>누군가의 </a:t>
+            </a:r>
+            <a:r>
+              <a:rPr lang="ko-KR" altLang="en-US" dirty="0" smtClean="0">
+                <a:solidFill>
+                  <a:srgbClr val="00B050"/>
+                </a:solidFill>
+              </a:rPr>
+              <a:t>복사본으로</a:t>
+            </a:r>
+            <a:r>
+              <a:rPr lang="ko-KR" altLang="en-US" dirty="0" smtClean="0"/>
+              <a:t> 죽지 않기를</a:t>
+            </a:r>
+            <a:r>
+              <a:rPr lang="en-US" altLang="ko-KR" dirty="0"/>
+              <a:t>~</a:t>
+            </a:r>
+            <a:r>
+              <a:rPr lang="en-US" altLang="ko-KR" dirty="0" smtClean="0"/>
+              <a:t> </a:t>
+            </a:r>
+            <a:br>
+              <a:rPr lang="en-US" altLang="ko-KR" dirty="0" smtClean="0"/>
+            </a:br>
             <a:endParaRPr lang="ko-KR" altLang="en-US" dirty="0"/>
           </a:p>
         </p:txBody>
@@ -7487,7 +7560,7 @@
     </p:spTree>
     <p:extLst>
       <p:ext uri="{BB962C8B-B14F-4D97-AF65-F5344CB8AC3E}">
-        <p14:creationId xmlns:p14="http://schemas.microsoft.com/office/powerpoint/2010/main" val="2007081784"/>
+        <p14:creationId xmlns:p14="http://schemas.microsoft.com/office/powerpoint/2010/main" val="3717299207"/>
       </p:ext>
     </p:extLst>
   </p:cSld>
@@ -7523,7 +7596,7 @@
       </p:grpSpPr>
       <p:sp>
         <p:nvSpPr>
-          <p:cNvPr id="5" name="제목 4"/>
+          <p:cNvPr id="2" name="제목 1"/>
           <p:cNvSpPr>
             <a:spLocks noGrp="1"/>
           </p:cNvSpPr>
@@ -7531,77 +7604,302 @@
             <p:ph type="title"/>
           </p:nvPr>
         </p:nvSpPr>
+        <p:spPr/>
+        <p:txBody>
+          <a:bodyPr/>
+          <a:lstStyle/>
+          <a:p>
+            <a:r>
+              <a:rPr lang="en-US" altLang="ko-KR" dirty="0" smtClean="0"/>
+              <a:t>3.4 </a:t>
+            </a:r>
+            <a:r>
+              <a:rPr lang="ko-KR" altLang="en-US" dirty="0" smtClean="0"/>
+              <a:t>신경망 구현하기</a:t>
+            </a:r>
+            <a:endParaRPr lang="ko-KR" altLang="en-US" dirty="0"/>
+          </a:p>
+        </p:txBody>
+      </p:sp>
+      <p:pic>
+        <p:nvPicPr>
+          <p:cNvPr id="3" name="그림 2"/>
+          <p:cNvPicPr>
+            <a:picLocks noChangeAspect="1"/>
+          </p:cNvPicPr>
+          <p:nvPr/>
+        </p:nvPicPr>
+        <p:blipFill>
+          <a:blip r:embed="rId2">
+            <a:extLst>
+              <a:ext uri="{28A0092B-C50C-407E-A947-70E740481C1C}">
+                <a14:useLocalDpi xmlns:a14="http://schemas.microsoft.com/office/drawing/2010/main" val="0"/>
+              </a:ext>
+            </a:extLst>
+          </a:blip>
+          <a:stretch>
+            <a:fillRect/>
+          </a:stretch>
+        </p:blipFill>
         <p:spPr>
           <a:xfrm>
-            <a:off x="988326" y="1593424"/>
-            <a:ext cx="10515600" cy="4070397"/>
+            <a:off x="1709089" y="2229688"/>
+            <a:ext cx="7709296" cy="4254719"/>
           </a:xfrm>
+          <a:prstGeom prst="rect">
+            <a:avLst/>
+          </a:prstGeom>
         </p:spPr>
-        <p:txBody>
-          <a:bodyPr/>
+      </p:pic>
+      <p:sp>
+        <p:nvSpPr>
+          <p:cNvPr id="4" name="TextBox 3"/>
+          <p:cNvSpPr txBox="1"/>
+          <p:nvPr/>
+        </p:nvSpPr>
+        <p:spPr>
+          <a:xfrm>
+            <a:off x="1282890" y="2442949"/>
+            <a:ext cx="542136" cy="369332"/>
+          </a:xfrm>
+          <a:prstGeom prst="rect">
+            <a:avLst/>
+          </a:prstGeom>
+          <a:noFill/>
+        </p:spPr>
+        <p:txBody>
+          <a:bodyPr wrap="none" rtlCol="0">
+            <a:spAutoFit/>
+          </a:bodyPr>
           <a:lstStyle/>
           <a:p>
             <a:r>
-              <a:rPr lang="ko-KR" altLang="en-US" dirty="0" smtClean="0"/>
-              <a:t>우리는 </a:t>
-            </a:r>
-            <a:r>
-              <a:rPr lang="ko-KR" altLang="en-US" dirty="0" smtClean="0">
-                <a:solidFill>
-                  <a:srgbClr val="00B050"/>
-                </a:solidFill>
-              </a:rPr>
-              <a:t>고유하게</a:t>
-            </a:r>
-            <a:r>
-              <a:rPr lang="ko-KR" altLang="en-US" dirty="0" smtClean="0"/>
-              <a:t> 태어났다</a:t>
-            </a:r>
-            <a:r>
-              <a:rPr lang="en-US" altLang="ko-KR" dirty="0" smtClean="0"/>
-              <a:t>.</a:t>
-            </a:r>
-            <a:br>
-              <a:rPr lang="en-US" altLang="ko-KR" dirty="0" smtClean="0"/>
-            </a:br>
+              <a:rPr lang="en-US" altLang="ko-KR" smtClean="0"/>
+              <a:t>0</a:t>
+            </a:r>
+            <a:r>
+              <a:rPr lang="ko-KR" altLang="en-US" dirty="0" smtClean="0"/>
+              <a:t>층</a:t>
+            </a:r>
+            <a:endParaRPr lang="ko-KR" altLang="en-US" dirty="0"/>
+          </a:p>
+        </p:txBody>
+      </p:sp>
+      <p:sp>
+        <p:nvSpPr>
+          <p:cNvPr id="5" name="TextBox 4"/>
+          <p:cNvSpPr txBox="1"/>
+          <p:nvPr/>
+        </p:nvSpPr>
+        <p:spPr>
+          <a:xfrm>
+            <a:off x="4506036" y="1775522"/>
+            <a:ext cx="542136" cy="369332"/>
+          </a:xfrm>
+          <a:prstGeom prst="rect">
+            <a:avLst/>
+          </a:prstGeom>
+          <a:noFill/>
+        </p:spPr>
+        <p:txBody>
+          <a:bodyPr wrap="none" rtlCol="0">
+            <a:spAutoFit/>
+          </a:bodyPr>
+          <a:lstStyle/>
+          <a:p>
             <a:r>
               <a:rPr lang="en-US" altLang="ko-KR" dirty="0"/>
-              <a:t/>
-            </a:r>
-            <a:br>
+              <a:t>1</a:t>
+            </a:r>
+            <a:r>
+              <a:rPr lang="ko-KR" altLang="en-US" dirty="0" smtClean="0"/>
+              <a:t>층</a:t>
+            </a:r>
+            <a:endParaRPr lang="ko-KR" altLang="en-US" dirty="0"/>
+          </a:p>
+        </p:txBody>
+      </p:sp>
+      <p:sp>
+        <p:nvSpPr>
+          <p:cNvPr id="6" name="TextBox 5"/>
+          <p:cNvSpPr txBox="1"/>
+          <p:nvPr/>
+        </p:nvSpPr>
+        <p:spPr>
+          <a:xfrm>
+            <a:off x="6580496" y="2627615"/>
+            <a:ext cx="542136" cy="369332"/>
+          </a:xfrm>
+          <a:prstGeom prst="rect">
+            <a:avLst/>
+          </a:prstGeom>
+          <a:noFill/>
+        </p:spPr>
+        <p:txBody>
+          <a:bodyPr wrap="none" rtlCol="0">
+            <a:spAutoFit/>
+          </a:bodyPr>
+          <a:lstStyle/>
+          <a:p>
+            <a:r>
               <a:rPr lang="en-US" altLang="ko-KR" dirty="0"/>
-            </a:br>
-            <a:r>
-              <a:rPr lang="en-US" altLang="ko-KR" dirty="0" smtClean="0"/>
-              <a:t>	</a:t>
-            </a:r>
-            <a:r>
-              <a:rPr lang="ko-KR" altLang="en-US" dirty="0" smtClean="0"/>
-              <a:t>누군가의 </a:t>
-            </a:r>
-            <a:r>
-              <a:rPr lang="ko-KR" altLang="en-US" dirty="0" smtClean="0">
-                <a:solidFill>
-                  <a:srgbClr val="00B050"/>
-                </a:solidFill>
-              </a:rPr>
-              <a:t>복사본으로</a:t>
-            </a:r>
-            <a:r>
-              <a:rPr lang="ko-KR" altLang="en-US" dirty="0" smtClean="0"/>
-              <a:t> 죽지 않기를</a:t>
-            </a:r>
-            <a:r>
-              <a:rPr lang="en-US" altLang="ko-KR" dirty="0"/>
-              <a:t>~</a:t>
-            </a:r>
-            <a:r>
-              <a:rPr lang="en-US" altLang="ko-KR" dirty="0" smtClean="0"/>
-              <a:t> </a:t>
-            </a:r>
-            <a:br>
-              <a:rPr lang="en-US" altLang="ko-KR" dirty="0" smtClean="0"/>
-            </a:br>
+              <a:t>2</a:t>
+            </a:r>
+            <a:r>
+              <a:rPr lang="ko-KR" altLang="en-US" dirty="0" smtClean="0"/>
+              <a:t>층</a:t>
+            </a:r>
+            <a:endParaRPr lang="ko-KR" altLang="en-US" dirty="0"/>
+          </a:p>
+        </p:txBody>
+      </p:sp>
+      <p:sp>
+        <p:nvSpPr>
+          <p:cNvPr id="7" name="TextBox 6"/>
+          <p:cNvSpPr txBox="1"/>
+          <p:nvPr/>
+        </p:nvSpPr>
+        <p:spPr>
+          <a:xfrm>
+            <a:off x="8588992" y="2587514"/>
+            <a:ext cx="542136" cy="369332"/>
+          </a:xfrm>
+          <a:prstGeom prst="rect">
+            <a:avLst/>
+          </a:prstGeom>
+          <a:noFill/>
+        </p:spPr>
+        <p:txBody>
+          <a:bodyPr wrap="none" rtlCol="0">
+            <a:spAutoFit/>
+          </a:bodyPr>
+          <a:lstStyle/>
+          <a:p>
+            <a:r>
+              <a:rPr lang="en-US" altLang="ko-KR" dirty="0" smtClean="0"/>
+              <a:t>3</a:t>
+            </a:r>
+            <a:r>
+              <a:rPr lang="ko-KR" altLang="en-US" dirty="0" smtClean="0"/>
+              <a:t>층</a:t>
+            </a:r>
+            <a:endParaRPr lang="ko-KR" altLang="en-US" dirty="0"/>
+          </a:p>
+        </p:txBody>
+      </p:sp>
+      <p:sp>
+        <p:nvSpPr>
+          <p:cNvPr id="8" name="TextBox 7"/>
+          <p:cNvSpPr txBox="1"/>
+          <p:nvPr/>
+        </p:nvSpPr>
+        <p:spPr>
+          <a:xfrm>
+            <a:off x="5048172" y="3657302"/>
+            <a:ext cx="1573251" cy="646331"/>
+          </a:xfrm>
+          <a:prstGeom prst="rect">
+            <a:avLst/>
+          </a:prstGeom>
+          <a:noFill/>
+        </p:spPr>
+        <p:txBody>
+          <a:bodyPr wrap="none" rtlCol="0">
+            <a:spAutoFit/>
+          </a:bodyPr>
+          <a:lstStyle/>
+          <a:p>
+            <a:pPr algn="ctr"/>
+            <a:r>
+              <a:rPr lang="ko-KR" altLang="en-US" dirty="0" err="1" smtClean="0"/>
+              <a:t>은닉층</a:t>
+            </a:r>
+            <a:endParaRPr lang="en-US" altLang="ko-KR" dirty="0" smtClean="0"/>
+          </a:p>
+          <a:p>
+            <a:pPr algn="ctr"/>
+            <a:r>
+              <a:rPr lang="en-US" altLang="ko-KR" dirty="0" smtClean="0"/>
+              <a:t>Hidden Layer</a:t>
+            </a:r>
+            <a:endParaRPr lang="ko-KR" altLang="en-US" dirty="0"/>
+          </a:p>
+        </p:txBody>
+      </p:sp>
+      <p:sp>
+        <p:nvSpPr>
+          <p:cNvPr id="9" name="TextBox 8"/>
+          <p:cNvSpPr txBox="1"/>
+          <p:nvPr/>
+        </p:nvSpPr>
+        <p:spPr>
+          <a:xfrm>
+            <a:off x="357574" y="3178976"/>
+            <a:ext cx="1361655" cy="646331"/>
+          </a:xfrm>
+          <a:prstGeom prst="rect">
+            <a:avLst/>
+          </a:prstGeom>
+          <a:noFill/>
+        </p:spPr>
+        <p:txBody>
+          <a:bodyPr wrap="none" rtlCol="0">
+            <a:spAutoFit/>
+          </a:bodyPr>
+          <a:lstStyle/>
+          <a:p>
+            <a:pPr algn="ctr"/>
+            <a:r>
+              <a:rPr lang="ko-KR" altLang="en-US" dirty="0" err="1" smtClean="0"/>
+              <a:t>입력층</a:t>
+            </a:r>
+            <a:endParaRPr lang="en-US" altLang="ko-KR" dirty="0"/>
+          </a:p>
+          <a:p>
+            <a:pPr algn="ctr"/>
+            <a:r>
+              <a:rPr lang="en-US" altLang="ko-KR" dirty="0" smtClean="0"/>
+              <a:t>Input Layer</a:t>
+            </a:r>
+            <a:endParaRPr lang="ko-KR" altLang="en-US" dirty="0"/>
+          </a:p>
+        </p:txBody>
+      </p:sp>
+      <p:sp>
+        <p:nvSpPr>
+          <p:cNvPr id="10" name="TextBox 9"/>
+          <p:cNvSpPr txBox="1"/>
+          <p:nvPr/>
+        </p:nvSpPr>
+        <p:spPr>
+          <a:xfrm>
+            <a:off x="8639774" y="4074295"/>
+            <a:ext cx="1557221" cy="646331"/>
+          </a:xfrm>
+          <a:prstGeom prst="rect">
+            <a:avLst/>
+          </a:prstGeom>
+          <a:noFill/>
+        </p:spPr>
+        <p:txBody>
+          <a:bodyPr wrap="none" rtlCol="0">
+            <a:spAutoFit/>
+          </a:bodyPr>
+          <a:lstStyle/>
+          <a:p>
+            <a:pPr algn="ctr"/>
+            <a:r>
+              <a:rPr lang="ko-KR" altLang="en-US" dirty="0" err="1" smtClean="0"/>
+              <a:t>출력층</a:t>
+            </a:r>
+            <a:endParaRPr lang="en-US" altLang="ko-KR" dirty="0" smtClean="0"/>
+          </a:p>
+          <a:p>
+            <a:pPr algn="ctr"/>
+            <a:r>
+              <a:rPr lang="en-US" altLang="ko-KR" dirty="0" smtClean="0"/>
+              <a:t>Output Layer</a:t>
+            </a:r>
             <a:endParaRPr lang="ko-KR" altLang="en-US" dirty="0"/>
           </a:p>
         </p:txBody>
@@ -7609,7 +7907,1283 @@
     </p:spTree>
     <p:extLst>
       <p:ext uri="{BB962C8B-B14F-4D97-AF65-F5344CB8AC3E}">
-        <p14:creationId xmlns:p14="http://schemas.microsoft.com/office/powerpoint/2010/main" val="3717299207"/>
+        <p14:creationId xmlns:p14="http://schemas.microsoft.com/office/powerpoint/2010/main" val="1038799982"/>
+      </p:ext>
+    </p:extLst>
+  </p:cSld>
+  <p:clrMapOvr>
+    <a:masterClrMapping/>
+  </p:clrMapOvr>
+  <p:timing>
+    <p:tnLst>
+      <p:par>
+        <p:cTn id="1" dur="indefinite" restart="never" nodeType="tmRoot"/>
+      </p:par>
+    </p:tnLst>
+  </p:timing>
+</p:sld>
+</file>
+
+<file path=ppt/slides/slide32.xml><?xml version="1.0" encoding="utf-8"?>
+<p:sld xmlns:a="http://schemas.openxmlformats.org/drawingml/2006/main" xmlns:r="http://schemas.openxmlformats.org/officeDocument/2006/relationships" xmlns:p="http://schemas.openxmlformats.org/presentationml/2006/main">
+  <p:cSld>
+    <p:spTree>
+      <p:nvGrpSpPr>
+        <p:cNvPr id="1" name=""/>
+        <p:cNvGrpSpPr/>
+        <p:nvPr/>
+      </p:nvGrpSpPr>
+      <p:grpSpPr>
+        <a:xfrm>
+          <a:off x="0" y="0"/>
+          <a:ext cx="0" cy="0"/>
+          <a:chOff x="0" y="0"/>
+          <a:chExt cx="0" cy="0"/>
+        </a:xfrm>
+      </p:grpSpPr>
+      <p:sp>
+        <p:nvSpPr>
+          <p:cNvPr id="2" name="제목 1"/>
+          <p:cNvSpPr>
+            <a:spLocks noGrp="1"/>
+          </p:cNvSpPr>
+          <p:nvPr>
+            <p:ph type="title"/>
+          </p:nvPr>
+        </p:nvSpPr>
+        <p:spPr/>
+        <p:txBody>
+          <a:bodyPr/>
+          <a:lstStyle/>
+          <a:p>
+            <a:r>
+              <a:rPr lang="ko-KR" altLang="en-US" dirty="0" smtClean="0"/>
+              <a:t>표기법</a:t>
+            </a:r>
+            <a:endParaRPr lang="ko-KR" altLang="en-US" dirty="0"/>
+          </a:p>
+        </p:txBody>
+      </p:sp>
+      <p:pic>
+        <p:nvPicPr>
+          <p:cNvPr id="3" name="그림 2"/>
+          <p:cNvPicPr>
+            <a:picLocks noChangeAspect="1"/>
+          </p:cNvPicPr>
+          <p:nvPr/>
+        </p:nvPicPr>
+        <p:blipFill>
+          <a:blip r:embed="rId2">
+            <a:extLst>
+              <a:ext uri="{28A0092B-C50C-407E-A947-70E740481C1C}">
+                <a14:useLocalDpi xmlns:a14="http://schemas.microsoft.com/office/drawing/2010/main" val="0"/>
+              </a:ext>
+            </a:extLst>
+          </a:blip>
+          <a:stretch>
+            <a:fillRect/>
+          </a:stretch>
+        </p:blipFill>
+        <p:spPr>
+          <a:xfrm>
+            <a:off x="1876200" y="2090759"/>
+            <a:ext cx="6883754" cy="3822896"/>
+          </a:xfrm>
+          <a:prstGeom prst="rect">
+            <a:avLst/>
+          </a:prstGeom>
+        </p:spPr>
+      </p:pic>
+    </p:spTree>
+    <p:extLst>
+      <p:ext uri="{BB962C8B-B14F-4D97-AF65-F5344CB8AC3E}">
+        <p14:creationId xmlns:p14="http://schemas.microsoft.com/office/powerpoint/2010/main" val="306752978"/>
+      </p:ext>
+    </p:extLst>
+  </p:cSld>
+  <p:clrMapOvr>
+    <a:masterClrMapping/>
+  </p:clrMapOvr>
+  <p:timing>
+    <p:tnLst>
+      <p:par>
+        <p:cTn id="1" dur="indefinite" restart="never" nodeType="tmRoot"/>
+      </p:par>
+    </p:tnLst>
+  </p:timing>
+</p:sld>
+</file>
+
+<file path=ppt/slides/slide33.xml><?xml version="1.0" encoding="utf-8"?>
+<p:sld xmlns:a="http://schemas.openxmlformats.org/drawingml/2006/main" xmlns:r="http://schemas.openxmlformats.org/officeDocument/2006/relationships" xmlns:p="http://schemas.openxmlformats.org/presentationml/2006/main">
+  <p:cSld>
+    <p:spTree>
+      <p:nvGrpSpPr>
+        <p:cNvPr id="1" name=""/>
+        <p:cNvGrpSpPr/>
+        <p:nvPr/>
+      </p:nvGrpSpPr>
+      <p:grpSpPr>
+        <a:xfrm>
+          <a:off x="0" y="0"/>
+          <a:ext cx="0" cy="0"/>
+          <a:chOff x="0" y="0"/>
+          <a:chExt cx="0" cy="0"/>
+        </a:xfrm>
+      </p:grpSpPr>
+      <p:sp>
+        <p:nvSpPr>
+          <p:cNvPr id="2" name="제목 1"/>
+          <p:cNvSpPr>
+            <a:spLocks noGrp="1"/>
+          </p:cNvSpPr>
+          <p:nvPr>
+            <p:ph type="title"/>
+          </p:nvPr>
+        </p:nvSpPr>
+        <p:spPr/>
+        <p:txBody>
+          <a:bodyPr/>
+          <a:lstStyle/>
+          <a:p>
+            <a:r>
+              <a:rPr lang="en-US" altLang="ko-KR" dirty="0" smtClean="0"/>
+              <a:t>3.4.2 </a:t>
+            </a:r>
+            <a:r>
+              <a:rPr lang="ko-KR" altLang="en-US" dirty="0" smtClean="0"/>
+              <a:t>각 층의 신호 전달 구현</a:t>
+            </a:r>
+            <a:endParaRPr lang="ko-KR" altLang="en-US" dirty="0"/>
+          </a:p>
+        </p:txBody>
+      </p:sp>
+      <p:pic>
+        <p:nvPicPr>
+          <p:cNvPr id="3" name="그림 2"/>
+          <p:cNvPicPr>
+            <a:picLocks noChangeAspect="1"/>
+          </p:cNvPicPr>
+          <p:nvPr/>
+        </p:nvPicPr>
+        <p:blipFill>
+          <a:blip r:embed="rId2">
+            <a:extLst>
+              <a:ext uri="{28A0092B-C50C-407E-A947-70E740481C1C}">
+                <a14:useLocalDpi xmlns:a14="http://schemas.microsoft.com/office/drawing/2010/main" val="0"/>
+              </a:ext>
+            </a:extLst>
+          </a:blip>
+          <a:stretch>
+            <a:fillRect/>
+          </a:stretch>
+        </p:blipFill>
+        <p:spPr>
+          <a:xfrm>
+            <a:off x="838200" y="1897039"/>
+            <a:ext cx="5710827" cy="3694132"/>
+          </a:xfrm>
+          <a:prstGeom prst="rect">
+            <a:avLst/>
+          </a:prstGeom>
+        </p:spPr>
+      </p:pic>
+      <p:pic>
+        <p:nvPicPr>
+          <p:cNvPr id="4" name="그림 3"/>
+          <p:cNvPicPr>
+            <a:picLocks noChangeAspect="1"/>
+          </p:cNvPicPr>
+          <p:nvPr/>
+        </p:nvPicPr>
+        <p:blipFill>
+          <a:blip r:embed="rId3">
+            <a:extLst>
+              <a:ext uri="{28A0092B-C50C-407E-A947-70E740481C1C}">
+                <a14:useLocalDpi xmlns:a14="http://schemas.microsoft.com/office/drawing/2010/main" val="0"/>
+              </a:ext>
+            </a:extLst>
+          </a:blip>
+          <a:stretch>
+            <a:fillRect/>
+          </a:stretch>
+        </p:blipFill>
+        <p:spPr>
+          <a:xfrm>
+            <a:off x="7012309" y="1897039"/>
+            <a:ext cx="4705332" cy="736979"/>
+          </a:xfrm>
+          <a:prstGeom prst="rect">
+            <a:avLst/>
+          </a:prstGeom>
+        </p:spPr>
+      </p:pic>
+      <p:pic>
+        <p:nvPicPr>
+          <p:cNvPr id="5" name="그림 4"/>
+          <p:cNvPicPr>
+            <a:picLocks noChangeAspect="1"/>
+          </p:cNvPicPr>
+          <p:nvPr/>
+        </p:nvPicPr>
+        <p:blipFill>
+          <a:blip r:embed="rId4">
+            <a:extLst>
+              <a:ext uri="{28A0092B-C50C-407E-A947-70E740481C1C}">
+                <a14:useLocalDpi xmlns:a14="http://schemas.microsoft.com/office/drawing/2010/main" val="0"/>
+              </a:ext>
+            </a:extLst>
+          </a:blip>
+          <a:stretch>
+            <a:fillRect/>
+          </a:stretch>
+        </p:blipFill>
+        <p:spPr>
+          <a:xfrm>
+            <a:off x="6836646" y="4144796"/>
+            <a:ext cx="5056657" cy="904875"/>
+          </a:xfrm>
+          <a:prstGeom prst="rect">
+            <a:avLst/>
+          </a:prstGeom>
+        </p:spPr>
+      </p:pic>
+    </p:spTree>
+    <p:extLst>
+      <p:ext uri="{BB962C8B-B14F-4D97-AF65-F5344CB8AC3E}">
+        <p14:creationId xmlns:p14="http://schemas.microsoft.com/office/powerpoint/2010/main" val="3850759560"/>
+      </p:ext>
+    </p:extLst>
+  </p:cSld>
+  <p:clrMapOvr>
+    <a:masterClrMapping/>
+  </p:clrMapOvr>
+  <p:timing>
+    <p:tnLst>
+      <p:par>
+        <p:cTn id="1" dur="indefinite" restart="never" nodeType="tmRoot">
+          <p:childTnLst>
+            <p:seq concurrent="1" nextAc="seek">
+              <p:cTn id="2" dur="indefinite" nodeType="mainSeq">
+                <p:childTnLst>
+                  <p:par>
+                    <p:cTn id="3" fill="hold">
+                      <p:stCondLst>
+                        <p:cond delay="indefinite"/>
+                      </p:stCondLst>
+                      <p:childTnLst>
+                        <p:par>
+                          <p:cTn id="4" fill="hold">
+                            <p:stCondLst>
+                              <p:cond delay="0"/>
+                            </p:stCondLst>
+                            <p:childTnLst>
+                              <p:par>
+                                <p:cTn id="5" presetID="1" presetClass="entr" presetSubtype="0" fill="hold" nodeType="clickEffect">
+                                  <p:stCondLst>
+                                    <p:cond delay="0"/>
+                                  </p:stCondLst>
+                                  <p:childTnLst>
+                                    <p:set>
+                                      <p:cBhvr>
+                                        <p:cTn id="6" dur="1" fill="hold">
+                                          <p:stCondLst>
+                                            <p:cond delay="0"/>
+                                          </p:stCondLst>
+                                        </p:cTn>
+                                        <p:tgtEl>
+                                          <p:spTgt spid="5"/>
+                                        </p:tgtEl>
+                                        <p:attrNameLst>
+                                          <p:attrName>style.visibility</p:attrName>
+                                        </p:attrNameLst>
+                                      </p:cBhvr>
+                                      <p:to>
+                                        <p:strVal val="visible"/>
+                                      </p:to>
+                                    </p:set>
+                                  </p:childTnLst>
+                                </p:cTn>
+                              </p:par>
+                            </p:childTnLst>
+                          </p:cTn>
+                        </p:par>
+                      </p:childTnLst>
+                    </p:cTn>
+                  </p:par>
+                </p:childTnLst>
+              </p:cTn>
+              <p:prevCondLst>
+                <p:cond evt="onPrev" delay="0">
+                  <p:tgtEl>
+                    <p:sldTgt/>
+                  </p:tgtEl>
+                </p:cond>
+              </p:prevCondLst>
+              <p:nextCondLst>
+                <p:cond evt="onNext" delay="0">
+                  <p:tgtEl>
+                    <p:sldTgt/>
+                  </p:tgtEl>
+                </p:cond>
+              </p:nextCondLst>
+            </p:seq>
+          </p:childTnLst>
+        </p:cTn>
+      </p:par>
+    </p:tnLst>
+  </p:timing>
+</p:sld>
+</file>
+
+<file path=ppt/slides/slide34.xml><?xml version="1.0" encoding="utf-8"?>
+<p:sld xmlns:a="http://schemas.openxmlformats.org/drawingml/2006/main" xmlns:r="http://schemas.openxmlformats.org/officeDocument/2006/relationships" xmlns:p="http://schemas.openxmlformats.org/presentationml/2006/main">
+  <p:cSld>
+    <p:spTree>
+      <p:nvGrpSpPr>
+        <p:cNvPr id="1" name=""/>
+        <p:cNvGrpSpPr/>
+        <p:nvPr/>
+      </p:nvGrpSpPr>
+      <p:grpSpPr>
+        <a:xfrm>
+          <a:off x="0" y="0"/>
+          <a:ext cx="0" cy="0"/>
+          <a:chOff x="0" y="0"/>
+          <a:chExt cx="0" cy="0"/>
+        </a:xfrm>
+      </p:grpSpPr>
+      <p:sp>
+        <p:nvSpPr>
+          <p:cNvPr id="2" name="제목 1"/>
+          <p:cNvSpPr>
+            <a:spLocks noGrp="1"/>
+          </p:cNvSpPr>
+          <p:nvPr>
+            <p:ph type="title"/>
+          </p:nvPr>
+        </p:nvSpPr>
+        <p:spPr/>
+        <p:txBody>
+          <a:bodyPr/>
+          <a:lstStyle/>
+          <a:p>
+            <a:r>
+              <a:rPr lang="ko-KR" altLang="en-US" dirty="0" smtClean="0"/>
+              <a:t>풀어서 보면</a:t>
+            </a:r>
+            <a:r>
+              <a:rPr lang="en-US" altLang="ko-KR" dirty="0" smtClean="0"/>
+              <a:t>, </a:t>
+            </a:r>
+            <a:endParaRPr lang="ko-KR" altLang="en-US" dirty="0"/>
+          </a:p>
+        </p:txBody>
+      </p:sp>
+      <p:pic>
+        <p:nvPicPr>
+          <p:cNvPr id="3" name="그림 2"/>
+          <p:cNvPicPr>
+            <a:picLocks noChangeAspect="1"/>
+          </p:cNvPicPr>
+          <p:nvPr/>
+        </p:nvPicPr>
+        <p:blipFill>
+          <a:blip r:embed="rId2">
+            <a:extLst>
+              <a:ext uri="{28A0092B-C50C-407E-A947-70E740481C1C}">
+                <a14:useLocalDpi xmlns:a14="http://schemas.microsoft.com/office/drawing/2010/main" val="0"/>
+              </a:ext>
+            </a:extLst>
+          </a:blip>
+          <a:stretch>
+            <a:fillRect/>
+          </a:stretch>
+        </p:blipFill>
+        <p:spPr>
+          <a:xfrm>
+            <a:off x="838200" y="2029393"/>
+            <a:ext cx="5056657" cy="904875"/>
+          </a:xfrm>
+          <a:prstGeom prst="rect">
+            <a:avLst/>
+          </a:prstGeom>
+        </p:spPr>
+      </p:pic>
+      <p:sp>
+        <p:nvSpPr>
+          <p:cNvPr id="5" name="직사각형 4"/>
+          <p:cNvSpPr/>
+          <p:nvPr/>
+        </p:nvSpPr>
+        <p:spPr>
+          <a:xfrm>
+            <a:off x="3012907" y="4330523"/>
+            <a:ext cx="1531188" cy="400110"/>
+          </a:xfrm>
+          <a:prstGeom prst="rect">
+            <a:avLst/>
+          </a:prstGeom>
+        </p:spPr>
+        <p:txBody>
+          <a:bodyPr wrap="none">
+            <a:spAutoFit/>
+          </a:bodyPr>
+          <a:lstStyle/>
+          <a:p>
+            <a:r>
+              <a:rPr lang="en-US" altLang="ko-KR" sz="2000" b="1" dirty="0"/>
+              <a:t>X = (x</a:t>
+            </a:r>
+            <a:r>
+              <a:rPr lang="en-US" altLang="ko-KR" sz="2000" b="1" baseline="-25000" dirty="0"/>
+              <a:t>1</a:t>
+            </a:r>
+            <a:r>
+              <a:rPr lang="en-US" altLang="ko-KR" sz="2000" b="1" dirty="0"/>
+              <a:t>, x</a:t>
+            </a:r>
+            <a:r>
+              <a:rPr lang="en-US" altLang="ko-KR" sz="2000" b="1" baseline="-25000" dirty="0"/>
+              <a:t>2</a:t>
+            </a:r>
+            <a:r>
+              <a:rPr lang="en-US" altLang="ko-KR" sz="2000" b="1" dirty="0"/>
+              <a:t>)</a:t>
+            </a:r>
+            <a:endParaRPr lang="ko-KR" altLang="en-US" sz="2000" b="1" dirty="0"/>
+          </a:p>
+        </p:txBody>
+      </p:sp>
+      <p:sp>
+        <p:nvSpPr>
+          <p:cNvPr id="7" name="TextBox 6"/>
+          <p:cNvSpPr txBox="1"/>
+          <p:nvPr/>
+        </p:nvSpPr>
+        <p:spPr>
+          <a:xfrm>
+            <a:off x="8103042" y="3622637"/>
+            <a:ext cx="3052439" cy="707886"/>
+          </a:xfrm>
+          <a:prstGeom prst="rect">
+            <a:avLst/>
+          </a:prstGeom>
+          <a:noFill/>
+        </p:spPr>
+        <p:txBody>
+          <a:bodyPr wrap="none" rtlCol="0">
+            <a:spAutoFit/>
+          </a:bodyPr>
+          <a:lstStyle/>
+          <a:p>
+            <a:r>
+              <a:rPr lang="en-US" altLang="ko-KR" sz="2000" b="1" dirty="0" smtClean="0"/>
+              <a:t>B</a:t>
+            </a:r>
+            <a:r>
+              <a:rPr lang="en-US" altLang="ko-KR" sz="2000" b="1" baseline="30000" dirty="0" smtClean="0"/>
+              <a:t>(1)</a:t>
+            </a:r>
+            <a:r>
+              <a:rPr lang="en-US" altLang="ko-KR" sz="2000" b="1" dirty="0" smtClean="0"/>
+              <a:t> = ( b</a:t>
+            </a:r>
+            <a:r>
+              <a:rPr lang="en-US" altLang="ko-KR" sz="2000" b="1" baseline="-25000" dirty="0" smtClean="0"/>
+              <a:t>1</a:t>
+            </a:r>
+            <a:r>
+              <a:rPr lang="en-US" altLang="ko-KR" sz="2000" b="1" baseline="30000" dirty="0" smtClean="0"/>
+              <a:t>(1)</a:t>
+            </a:r>
+            <a:r>
+              <a:rPr lang="en-US" altLang="ko-KR" sz="2000" b="1" dirty="0" smtClean="0"/>
+              <a:t>, </a:t>
+            </a:r>
+            <a:r>
+              <a:rPr lang="en-US" altLang="ko-KR" sz="2000" b="1" dirty="0" smtClean="0"/>
+              <a:t>b</a:t>
+            </a:r>
+            <a:r>
+              <a:rPr lang="en-US" altLang="ko-KR" sz="2000" b="1" baseline="-25000" dirty="0" smtClean="0"/>
+              <a:t>2</a:t>
+            </a:r>
+            <a:r>
+              <a:rPr lang="en-US" altLang="ko-KR" sz="2000" b="1" baseline="30000" dirty="0" smtClean="0"/>
+              <a:t>(1)</a:t>
+            </a:r>
+            <a:r>
+              <a:rPr lang="en-US" altLang="ko-KR" sz="2000" b="1" dirty="0" smtClean="0"/>
+              <a:t>, b</a:t>
+            </a:r>
+            <a:r>
+              <a:rPr lang="en-US" altLang="ko-KR" sz="2000" b="1" baseline="-25000" dirty="0" smtClean="0"/>
+              <a:t>3</a:t>
+            </a:r>
+            <a:r>
+              <a:rPr lang="en-US" altLang="ko-KR" sz="2000" b="1" baseline="30000" dirty="0" smtClean="0"/>
+              <a:t>(1)</a:t>
+            </a:r>
+            <a:r>
+              <a:rPr lang="en-US" altLang="ko-KR" sz="2000" b="1" dirty="0" smtClean="0"/>
+              <a:t>) </a:t>
+            </a:r>
+            <a:endParaRPr lang="en-US" altLang="ko-KR" sz="2000" b="1" dirty="0" smtClean="0"/>
+          </a:p>
+          <a:p>
+            <a:endParaRPr lang="en-US" altLang="ko-KR" sz="2000" b="1" dirty="0"/>
+          </a:p>
+        </p:txBody>
+      </p:sp>
+      <p:sp>
+        <p:nvSpPr>
+          <p:cNvPr id="9" name="TextBox 8"/>
+          <p:cNvSpPr txBox="1"/>
+          <p:nvPr/>
+        </p:nvSpPr>
+        <p:spPr>
+          <a:xfrm>
+            <a:off x="770946" y="3612823"/>
+            <a:ext cx="3007555" cy="707886"/>
+          </a:xfrm>
+          <a:prstGeom prst="rect">
+            <a:avLst/>
+          </a:prstGeom>
+          <a:noFill/>
+        </p:spPr>
+        <p:txBody>
+          <a:bodyPr wrap="none" rtlCol="0">
+            <a:spAutoFit/>
+          </a:bodyPr>
+          <a:lstStyle/>
+          <a:p>
+            <a:r>
+              <a:rPr lang="en-US" altLang="ko-KR" sz="2000" b="1" dirty="0"/>
+              <a:t>A</a:t>
+            </a:r>
+            <a:r>
+              <a:rPr lang="en-US" altLang="ko-KR" sz="2000" b="1" baseline="30000" dirty="0" smtClean="0"/>
+              <a:t>(1)</a:t>
+            </a:r>
+            <a:r>
+              <a:rPr lang="en-US" altLang="ko-KR" sz="2000" b="1" dirty="0" smtClean="0"/>
+              <a:t> = ( a</a:t>
+            </a:r>
+            <a:r>
+              <a:rPr lang="en-US" altLang="ko-KR" sz="2000" b="1" baseline="-25000" dirty="0" smtClean="0"/>
+              <a:t>1</a:t>
+            </a:r>
+            <a:r>
+              <a:rPr lang="en-US" altLang="ko-KR" sz="2000" b="1" baseline="30000" dirty="0" smtClean="0"/>
+              <a:t>(1)</a:t>
+            </a:r>
+            <a:r>
+              <a:rPr lang="en-US" altLang="ko-KR" sz="2000" b="1" dirty="0" smtClean="0"/>
+              <a:t>, </a:t>
+            </a:r>
+            <a:r>
+              <a:rPr lang="en-US" altLang="ko-KR" sz="2000" b="1" dirty="0" smtClean="0"/>
+              <a:t>a</a:t>
+            </a:r>
+            <a:r>
+              <a:rPr lang="en-US" altLang="ko-KR" sz="2000" b="1" baseline="-25000" dirty="0" smtClean="0"/>
+              <a:t>2</a:t>
+            </a:r>
+            <a:r>
+              <a:rPr lang="en-US" altLang="ko-KR" sz="2000" b="1" baseline="30000" dirty="0" smtClean="0"/>
+              <a:t>(1)</a:t>
+            </a:r>
+            <a:r>
+              <a:rPr lang="en-US" altLang="ko-KR" sz="2000" b="1" dirty="0" smtClean="0"/>
+              <a:t>, a</a:t>
+            </a:r>
+            <a:r>
+              <a:rPr lang="en-US" altLang="ko-KR" sz="2000" b="1" baseline="-25000" dirty="0" smtClean="0"/>
+              <a:t>3</a:t>
+            </a:r>
+            <a:r>
+              <a:rPr lang="en-US" altLang="ko-KR" sz="2000" b="1" baseline="30000" dirty="0" smtClean="0"/>
+              <a:t>(1)</a:t>
+            </a:r>
+            <a:r>
+              <a:rPr lang="en-US" altLang="ko-KR" sz="2000" b="1" dirty="0" smtClean="0"/>
+              <a:t>) </a:t>
+            </a:r>
+            <a:endParaRPr lang="en-US" altLang="ko-KR" sz="2000" b="1" dirty="0" smtClean="0"/>
+          </a:p>
+          <a:p>
+            <a:endParaRPr lang="en-US" altLang="ko-KR" sz="2000" b="1" dirty="0"/>
+          </a:p>
+        </p:txBody>
+      </p:sp>
+      <p:sp>
+        <p:nvSpPr>
+          <p:cNvPr id="10" name="TextBox 9"/>
+          <p:cNvSpPr txBox="1"/>
+          <p:nvPr/>
+        </p:nvSpPr>
+        <p:spPr>
+          <a:xfrm>
+            <a:off x="4792141" y="4599249"/>
+            <a:ext cx="3570208" cy="1323439"/>
+          </a:xfrm>
+          <a:prstGeom prst="rect">
+            <a:avLst/>
+          </a:prstGeom>
+          <a:noFill/>
+        </p:spPr>
+        <p:txBody>
+          <a:bodyPr wrap="none" rtlCol="0">
+            <a:spAutoFit/>
+          </a:bodyPr>
+          <a:lstStyle/>
+          <a:p>
+            <a:r>
+              <a:rPr lang="en-US" altLang="ko-KR" sz="2000" b="1" dirty="0" smtClean="0"/>
+              <a:t>W</a:t>
+            </a:r>
+            <a:r>
+              <a:rPr lang="en-US" altLang="ko-KR" sz="2000" b="1" baseline="30000" dirty="0" smtClean="0"/>
+              <a:t>(1)</a:t>
+            </a:r>
+            <a:r>
+              <a:rPr lang="en-US" altLang="ko-KR" sz="2000" b="1" dirty="0" smtClean="0"/>
+              <a:t> = ( w</a:t>
+            </a:r>
+            <a:r>
+              <a:rPr lang="en-US" altLang="ko-KR" sz="2000" b="1" baseline="-25000" dirty="0" smtClean="0"/>
+              <a:t>11</a:t>
+            </a:r>
+            <a:r>
+              <a:rPr lang="en-US" altLang="ko-KR" sz="2000" b="1" baseline="30000" dirty="0" smtClean="0"/>
+              <a:t>(1)</a:t>
+            </a:r>
+            <a:r>
+              <a:rPr lang="en-US" altLang="ko-KR" sz="2000" b="1" dirty="0" smtClean="0"/>
+              <a:t>, </a:t>
+            </a:r>
+            <a:r>
+              <a:rPr lang="en-US" altLang="ko-KR" sz="2000" b="1" dirty="0" smtClean="0"/>
+              <a:t>w</a:t>
+            </a:r>
+            <a:r>
+              <a:rPr lang="en-US" altLang="ko-KR" sz="2000" b="1" baseline="-25000" dirty="0" smtClean="0"/>
+              <a:t>21</a:t>
+            </a:r>
+            <a:r>
+              <a:rPr lang="en-US" altLang="ko-KR" sz="2000" b="1" baseline="30000" dirty="0" smtClean="0"/>
+              <a:t>(1)</a:t>
+            </a:r>
+            <a:r>
+              <a:rPr lang="en-US" altLang="ko-KR" sz="2000" b="1" dirty="0" smtClean="0"/>
+              <a:t>, w</a:t>
+            </a:r>
+            <a:r>
+              <a:rPr lang="en-US" altLang="ko-KR" sz="2000" b="1" baseline="-25000" dirty="0" smtClean="0"/>
+              <a:t>31</a:t>
+            </a:r>
+            <a:r>
+              <a:rPr lang="en-US" altLang="ko-KR" sz="2000" b="1" baseline="30000" dirty="0" smtClean="0"/>
+              <a:t>(1)</a:t>
+            </a:r>
+            <a:endParaRPr lang="en-US" altLang="ko-KR" sz="2000" b="1" baseline="30000" dirty="0" smtClean="0"/>
+          </a:p>
+          <a:p>
+            <a:r>
+              <a:rPr lang="en-US" altLang="ko-KR" sz="2000" b="1" dirty="0" smtClean="0"/>
+              <a:t>          </a:t>
+            </a:r>
+          </a:p>
+          <a:p>
+            <a:r>
+              <a:rPr lang="en-US" altLang="ko-KR" sz="2000" b="1" dirty="0"/>
+              <a:t> </a:t>
+            </a:r>
+            <a:r>
+              <a:rPr lang="en-US" altLang="ko-KR" sz="2000" b="1" dirty="0" smtClean="0"/>
+              <a:t>         w</a:t>
+            </a:r>
+            <a:r>
+              <a:rPr lang="en-US" altLang="ko-KR" sz="2000" b="1" baseline="-25000" dirty="0" smtClean="0"/>
+              <a:t>12</a:t>
+            </a:r>
+            <a:r>
+              <a:rPr lang="en-US" altLang="ko-KR" sz="2000" b="1" baseline="30000" dirty="0" smtClean="0"/>
+              <a:t>(1</a:t>
+            </a:r>
+            <a:r>
+              <a:rPr lang="en-US" altLang="ko-KR" sz="2000" b="1" baseline="30000" dirty="0"/>
+              <a:t>)</a:t>
+            </a:r>
+            <a:r>
+              <a:rPr lang="en-US" altLang="ko-KR" sz="2000" b="1" dirty="0"/>
+              <a:t>, </a:t>
+            </a:r>
+            <a:r>
+              <a:rPr lang="en-US" altLang="ko-KR" sz="2000" b="1" dirty="0" smtClean="0"/>
+              <a:t>w</a:t>
+            </a:r>
+            <a:r>
+              <a:rPr lang="en-US" altLang="ko-KR" sz="2000" b="1" baseline="-25000" dirty="0" smtClean="0"/>
+              <a:t>22</a:t>
+            </a:r>
+            <a:r>
+              <a:rPr lang="en-US" altLang="ko-KR" sz="2000" b="1" baseline="30000" dirty="0" smtClean="0"/>
+              <a:t>(1)</a:t>
+            </a:r>
+            <a:r>
+              <a:rPr lang="en-US" altLang="ko-KR" sz="2000" b="1" dirty="0" smtClean="0"/>
+              <a:t>, w</a:t>
+            </a:r>
+            <a:r>
+              <a:rPr lang="en-US" altLang="ko-KR" sz="2000" b="1" baseline="-25000" dirty="0" smtClean="0"/>
+              <a:t>32</a:t>
+            </a:r>
+            <a:r>
+              <a:rPr lang="en-US" altLang="ko-KR" sz="2000" b="1" baseline="30000" dirty="0" smtClean="0"/>
+              <a:t>(1)  </a:t>
+            </a:r>
+            <a:r>
+              <a:rPr lang="en-US" altLang="ko-KR" sz="2000" b="1" dirty="0" smtClean="0"/>
+              <a:t>) </a:t>
+            </a:r>
+          </a:p>
+          <a:p>
+            <a:endParaRPr lang="en-US" altLang="ko-KR" sz="2000" b="1" dirty="0"/>
+          </a:p>
+        </p:txBody>
+      </p:sp>
+    </p:spTree>
+    <p:extLst>
+      <p:ext uri="{BB962C8B-B14F-4D97-AF65-F5344CB8AC3E}">
+        <p14:creationId xmlns:p14="http://schemas.microsoft.com/office/powerpoint/2010/main" val="679473021"/>
+      </p:ext>
+    </p:extLst>
+  </p:cSld>
+  <p:clrMapOvr>
+    <a:masterClrMapping/>
+  </p:clrMapOvr>
+  <p:timing>
+    <p:tnLst>
+      <p:par>
+        <p:cTn id="1" dur="indefinite" restart="never" nodeType="tmRoot">
+          <p:childTnLst>
+            <p:seq concurrent="1" nextAc="seek">
+              <p:cTn id="2" dur="indefinite" nodeType="mainSeq">
+                <p:childTnLst>
+                  <p:par>
+                    <p:cTn id="3" fill="hold">
+                      <p:stCondLst>
+                        <p:cond delay="indefinite"/>
+                      </p:stCondLst>
+                      <p:childTnLst>
+                        <p:par>
+                          <p:cTn id="4" fill="hold">
+                            <p:stCondLst>
+                              <p:cond delay="0"/>
+                            </p:stCondLst>
+                            <p:childTnLst>
+                              <p:par>
+                                <p:cTn id="5" presetID="1" presetClass="entr" presetSubtype="0" fill="hold" grpId="0" nodeType="clickEffect">
+                                  <p:stCondLst>
+                                    <p:cond delay="0"/>
+                                  </p:stCondLst>
+                                  <p:childTnLst>
+                                    <p:set>
+                                      <p:cBhvr>
+                                        <p:cTn id="6" dur="1" fill="hold">
+                                          <p:stCondLst>
+                                            <p:cond delay="0"/>
+                                          </p:stCondLst>
+                                        </p:cTn>
+                                        <p:tgtEl>
+                                          <p:spTgt spid="9"/>
+                                        </p:tgtEl>
+                                        <p:attrNameLst>
+                                          <p:attrName>style.visibility</p:attrName>
+                                        </p:attrNameLst>
+                                      </p:cBhvr>
+                                      <p:to>
+                                        <p:strVal val="visible"/>
+                                      </p:to>
+                                    </p:set>
+                                  </p:childTnLst>
+                                </p:cTn>
+                              </p:par>
+                            </p:childTnLst>
+                          </p:cTn>
+                        </p:par>
+                      </p:childTnLst>
+                    </p:cTn>
+                  </p:par>
+                  <p:par>
+                    <p:cTn id="7" fill="hold">
+                      <p:stCondLst>
+                        <p:cond delay="indefinite"/>
+                      </p:stCondLst>
+                      <p:childTnLst>
+                        <p:par>
+                          <p:cTn id="8" fill="hold">
+                            <p:stCondLst>
+                              <p:cond delay="0"/>
+                            </p:stCondLst>
+                            <p:childTnLst>
+                              <p:par>
+                                <p:cTn id="9" presetID="1" presetClass="entr" presetSubtype="0" fill="hold" grpId="0" nodeType="clickEffect">
+                                  <p:stCondLst>
+                                    <p:cond delay="0"/>
+                                  </p:stCondLst>
+                                  <p:childTnLst>
+                                    <p:set>
+                                      <p:cBhvr>
+                                        <p:cTn id="10" dur="1" fill="hold">
+                                          <p:stCondLst>
+                                            <p:cond delay="0"/>
+                                          </p:stCondLst>
+                                        </p:cTn>
+                                        <p:tgtEl>
+                                          <p:spTgt spid="5"/>
+                                        </p:tgtEl>
+                                        <p:attrNameLst>
+                                          <p:attrName>style.visibility</p:attrName>
+                                        </p:attrNameLst>
+                                      </p:cBhvr>
+                                      <p:to>
+                                        <p:strVal val="visible"/>
+                                      </p:to>
+                                    </p:set>
+                                  </p:childTnLst>
+                                </p:cTn>
+                              </p:par>
+                            </p:childTnLst>
+                          </p:cTn>
+                        </p:par>
+                      </p:childTnLst>
+                    </p:cTn>
+                  </p:par>
+                  <p:par>
+                    <p:cTn id="11" fill="hold">
+                      <p:stCondLst>
+                        <p:cond delay="indefinite"/>
+                      </p:stCondLst>
+                      <p:childTnLst>
+                        <p:par>
+                          <p:cTn id="12" fill="hold">
+                            <p:stCondLst>
+                              <p:cond delay="0"/>
+                            </p:stCondLst>
+                            <p:childTnLst>
+                              <p:par>
+                                <p:cTn id="13" presetID="1" presetClass="entr" presetSubtype="0" fill="hold" grpId="0" nodeType="clickEffect">
+                                  <p:stCondLst>
+                                    <p:cond delay="0"/>
+                                  </p:stCondLst>
+                                  <p:childTnLst>
+                                    <p:set>
+                                      <p:cBhvr>
+                                        <p:cTn id="14" dur="1" fill="hold">
+                                          <p:stCondLst>
+                                            <p:cond delay="0"/>
+                                          </p:stCondLst>
+                                        </p:cTn>
+                                        <p:tgtEl>
+                                          <p:spTgt spid="7"/>
+                                        </p:tgtEl>
+                                        <p:attrNameLst>
+                                          <p:attrName>style.visibility</p:attrName>
+                                        </p:attrNameLst>
+                                      </p:cBhvr>
+                                      <p:to>
+                                        <p:strVal val="visible"/>
+                                      </p:to>
+                                    </p:set>
+                                  </p:childTnLst>
+                                </p:cTn>
+                              </p:par>
+                            </p:childTnLst>
+                          </p:cTn>
+                        </p:par>
+                      </p:childTnLst>
+                    </p:cTn>
+                  </p:par>
+                  <p:par>
+                    <p:cTn id="15" fill="hold">
+                      <p:stCondLst>
+                        <p:cond delay="indefinite"/>
+                      </p:stCondLst>
+                      <p:childTnLst>
+                        <p:par>
+                          <p:cTn id="16" fill="hold">
+                            <p:stCondLst>
+                              <p:cond delay="0"/>
+                            </p:stCondLst>
+                            <p:childTnLst>
+                              <p:par>
+                                <p:cTn id="17" presetID="1" presetClass="entr" presetSubtype="0" fill="hold" grpId="0" nodeType="clickEffect">
+                                  <p:stCondLst>
+                                    <p:cond delay="0"/>
+                                  </p:stCondLst>
+                                  <p:childTnLst>
+                                    <p:set>
+                                      <p:cBhvr>
+                                        <p:cTn id="18" dur="1" fill="hold">
+                                          <p:stCondLst>
+                                            <p:cond delay="0"/>
+                                          </p:stCondLst>
+                                        </p:cTn>
+                                        <p:tgtEl>
+                                          <p:spTgt spid="10"/>
+                                        </p:tgtEl>
+                                        <p:attrNameLst>
+                                          <p:attrName>style.visibility</p:attrName>
+                                        </p:attrNameLst>
+                                      </p:cBhvr>
+                                      <p:to>
+                                        <p:strVal val="visible"/>
+                                      </p:to>
+                                    </p:set>
+                                  </p:childTnLst>
+                                </p:cTn>
+                              </p:par>
+                            </p:childTnLst>
+                          </p:cTn>
+                        </p:par>
+                      </p:childTnLst>
+                    </p:cTn>
+                  </p:par>
+                </p:childTnLst>
+              </p:cTn>
+              <p:prevCondLst>
+                <p:cond evt="onPrev" delay="0">
+                  <p:tgtEl>
+                    <p:sldTgt/>
+                  </p:tgtEl>
+                </p:cond>
+              </p:prevCondLst>
+              <p:nextCondLst>
+                <p:cond evt="onNext" delay="0">
+                  <p:tgtEl>
+                    <p:sldTgt/>
+                  </p:tgtEl>
+                </p:cond>
+              </p:nextCondLst>
+            </p:seq>
+          </p:childTnLst>
+        </p:cTn>
+      </p:par>
+    </p:tnLst>
+    <p:bldLst>
+      <p:bldP spid="5" grpId="0"/>
+      <p:bldP spid="7" grpId="0"/>
+      <p:bldP spid="9" grpId="0"/>
+      <p:bldP spid="10" grpId="0"/>
+    </p:bldLst>
+  </p:timing>
+</p:sld>
+</file>
+
+<file path=ppt/slides/slide35.xml><?xml version="1.0" encoding="utf-8"?>
+<p:sld xmlns:a="http://schemas.openxmlformats.org/drawingml/2006/main" xmlns:r="http://schemas.openxmlformats.org/officeDocument/2006/relationships" xmlns:p="http://schemas.openxmlformats.org/presentationml/2006/main">
+  <p:cSld>
+    <p:spTree>
+      <p:nvGrpSpPr>
+        <p:cNvPr id="1" name=""/>
+        <p:cNvGrpSpPr/>
+        <p:nvPr/>
+      </p:nvGrpSpPr>
+      <p:grpSpPr>
+        <a:xfrm>
+          <a:off x="0" y="0"/>
+          <a:ext cx="0" cy="0"/>
+          <a:chOff x="0" y="0"/>
+          <a:chExt cx="0" cy="0"/>
+        </a:xfrm>
+      </p:grpSpPr>
+      <p:pic>
+        <p:nvPicPr>
+          <p:cNvPr id="3" name="그림 2"/>
+          <p:cNvPicPr>
+            <a:picLocks noChangeAspect="1"/>
+          </p:cNvPicPr>
+          <p:nvPr/>
+        </p:nvPicPr>
+        <p:blipFill>
+          <a:blip r:embed="rId2"/>
+          <a:stretch>
+            <a:fillRect/>
+          </a:stretch>
+        </p:blipFill>
+        <p:spPr>
+          <a:xfrm>
+            <a:off x="1532744" y="423080"/>
+            <a:ext cx="8212613" cy="6156363"/>
+          </a:xfrm>
+          <a:prstGeom prst="rect">
+            <a:avLst/>
+          </a:prstGeom>
+        </p:spPr>
+      </p:pic>
+    </p:spTree>
+    <p:extLst>
+      <p:ext uri="{BB962C8B-B14F-4D97-AF65-F5344CB8AC3E}">
+        <p14:creationId xmlns:p14="http://schemas.microsoft.com/office/powerpoint/2010/main" val="895865286"/>
+      </p:ext>
+    </p:extLst>
+  </p:cSld>
+  <p:clrMapOvr>
+    <a:masterClrMapping/>
+  </p:clrMapOvr>
+  <p:timing>
+    <p:tnLst>
+      <p:par>
+        <p:cTn id="1" dur="indefinite" restart="never" nodeType="tmRoot"/>
+      </p:par>
+    </p:tnLst>
+  </p:timing>
+</p:sld>
+</file>
+
+<file path=ppt/slides/slide36.xml><?xml version="1.0" encoding="utf-8"?>
+<p:sld xmlns:a="http://schemas.openxmlformats.org/drawingml/2006/main" xmlns:r="http://schemas.openxmlformats.org/officeDocument/2006/relationships" xmlns:p="http://schemas.openxmlformats.org/presentationml/2006/main">
+  <p:cSld>
+    <p:spTree>
+      <p:nvGrpSpPr>
+        <p:cNvPr id="1" name=""/>
+        <p:cNvGrpSpPr/>
+        <p:nvPr/>
+      </p:nvGrpSpPr>
+      <p:grpSpPr>
+        <a:xfrm>
+          <a:off x="0" y="0"/>
+          <a:ext cx="0" cy="0"/>
+          <a:chOff x="0" y="0"/>
+          <a:chExt cx="0" cy="0"/>
+        </a:xfrm>
+      </p:grpSpPr>
+      <p:pic>
+        <p:nvPicPr>
+          <p:cNvPr id="3" name="그림 2"/>
+          <p:cNvPicPr>
+            <a:picLocks noChangeAspect="1"/>
+          </p:cNvPicPr>
+          <p:nvPr/>
+        </p:nvPicPr>
+        <p:blipFill>
+          <a:blip r:embed="rId2">
+            <a:extLst>
+              <a:ext uri="{28A0092B-C50C-407E-A947-70E740481C1C}">
+                <a14:useLocalDpi xmlns:a14="http://schemas.microsoft.com/office/drawing/2010/main" val="0"/>
+              </a:ext>
+            </a:extLst>
+          </a:blip>
+          <a:stretch>
+            <a:fillRect/>
+          </a:stretch>
+        </p:blipFill>
+        <p:spPr>
+          <a:xfrm>
+            <a:off x="975510" y="431646"/>
+            <a:ext cx="8166520" cy="5994708"/>
+          </a:xfrm>
+          <a:prstGeom prst="rect">
+            <a:avLst/>
+          </a:prstGeom>
+        </p:spPr>
+      </p:pic>
+    </p:spTree>
+    <p:extLst>
+      <p:ext uri="{BB962C8B-B14F-4D97-AF65-F5344CB8AC3E}">
+        <p14:creationId xmlns:p14="http://schemas.microsoft.com/office/powerpoint/2010/main" val="3858225453"/>
+      </p:ext>
+    </p:extLst>
+  </p:cSld>
+  <p:clrMapOvr>
+    <a:masterClrMapping/>
+  </p:clrMapOvr>
+  <p:timing>
+    <p:tnLst>
+      <p:par>
+        <p:cTn id="1" dur="indefinite" restart="never" nodeType="tmRoot"/>
+      </p:par>
+    </p:tnLst>
+  </p:timing>
+</p:sld>
+</file>
+
+<file path=ppt/slides/slide37.xml><?xml version="1.0" encoding="utf-8"?>
+<p:sld xmlns:a="http://schemas.openxmlformats.org/drawingml/2006/main" xmlns:r="http://schemas.openxmlformats.org/officeDocument/2006/relationships" xmlns:p="http://schemas.openxmlformats.org/presentationml/2006/main">
+  <p:cSld>
+    <p:spTree>
+      <p:nvGrpSpPr>
+        <p:cNvPr id="1" name=""/>
+        <p:cNvGrpSpPr/>
+        <p:nvPr/>
+      </p:nvGrpSpPr>
+      <p:grpSpPr>
+        <a:xfrm>
+          <a:off x="0" y="0"/>
+          <a:ext cx="0" cy="0"/>
+          <a:chOff x="0" y="0"/>
+          <a:chExt cx="0" cy="0"/>
+        </a:xfrm>
+      </p:grpSpPr>
+      <p:pic>
+        <p:nvPicPr>
+          <p:cNvPr id="3" name="그림 2"/>
+          <p:cNvPicPr>
+            <a:picLocks noChangeAspect="1"/>
+          </p:cNvPicPr>
+          <p:nvPr/>
+        </p:nvPicPr>
+        <p:blipFill>
+          <a:blip r:embed="rId2"/>
+          <a:stretch>
+            <a:fillRect/>
+          </a:stretch>
+        </p:blipFill>
+        <p:spPr>
+          <a:xfrm>
+            <a:off x="2006221" y="296072"/>
+            <a:ext cx="7670041" cy="6440599"/>
+          </a:xfrm>
+          <a:prstGeom prst="rect">
+            <a:avLst/>
+          </a:prstGeom>
+        </p:spPr>
+      </p:pic>
+    </p:spTree>
+    <p:extLst>
+      <p:ext uri="{BB962C8B-B14F-4D97-AF65-F5344CB8AC3E}">
+        <p14:creationId xmlns:p14="http://schemas.microsoft.com/office/powerpoint/2010/main" val="3097248880"/>
+      </p:ext>
+    </p:extLst>
+  </p:cSld>
+  <p:clrMapOvr>
+    <a:masterClrMapping/>
+  </p:clrMapOvr>
+  <p:timing>
+    <p:tnLst>
+      <p:par>
+        <p:cTn id="1" dur="indefinite" restart="never" nodeType="tmRoot"/>
+      </p:par>
+    </p:tnLst>
+  </p:timing>
+</p:sld>
+</file>
+
+<file path=ppt/slides/slide38.xml><?xml version="1.0" encoding="utf-8"?>
+<p:sld xmlns:a="http://schemas.openxmlformats.org/drawingml/2006/main" xmlns:r="http://schemas.openxmlformats.org/officeDocument/2006/relationships" xmlns:p="http://schemas.openxmlformats.org/presentationml/2006/main">
+  <p:cSld>
+    <p:spTree>
+      <p:nvGrpSpPr>
+        <p:cNvPr id="1" name=""/>
+        <p:cNvGrpSpPr/>
+        <p:nvPr/>
+      </p:nvGrpSpPr>
+      <p:grpSpPr>
+        <a:xfrm>
+          <a:off x="0" y="0"/>
+          <a:ext cx="0" cy="0"/>
+          <a:chOff x="0" y="0"/>
+          <a:chExt cx="0" cy="0"/>
+        </a:xfrm>
+      </p:grpSpPr>
+      <p:pic>
+        <p:nvPicPr>
+          <p:cNvPr id="3" name="그림 2"/>
+          <p:cNvPicPr>
+            <a:picLocks noChangeAspect="1"/>
+          </p:cNvPicPr>
+          <p:nvPr/>
+        </p:nvPicPr>
+        <p:blipFill>
+          <a:blip r:embed="rId2">
+            <a:extLst>
+              <a:ext uri="{28A0092B-C50C-407E-A947-70E740481C1C}">
+                <a14:useLocalDpi xmlns:a14="http://schemas.microsoft.com/office/drawing/2010/main" val="0"/>
+              </a:ext>
+            </a:extLst>
+          </a:blip>
+          <a:stretch>
+            <a:fillRect/>
+          </a:stretch>
+        </p:blipFill>
+        <p:spPr>
+          <a:xfrm>
+            <a:off x="1993689" y="634856"/>
+            <a:ext cx="8204622" cy="5588287"/>
+          </a:xfrm>
+          <a:prstGeom prst="rect">
+            <a:avLst/>
+          </a:prstGeom>
+        </p:spPr>
+      </p:pic>
+    </p:spTree>
+    <p:extLst>
+      <p:ext uri="{BB962C8B-B14F-4D97-AF65-F5344CB8AC3E}">
+        <p14:creationId xmlns:p14="http://schemas.microsoft.com/office/powerpoint/2010/main" val="1376942266"/>
+      </p:ext>
+    </p:extLst>
+  </p:cSld>
+  <p:clrMapOvr>
+    <a:masterClrMapping/>
+  </p:clrMapOvr>
+  <p:timing>
+    <p:tnLst>
+      <p:par>
+        <p:cTn id="1" dur="indefinite" restart="never" nodeType="tmRoot"/>
+      </p:par>
+    </p:tnLst>
+  </p:timing>
+</p:sld>
+</file>
+
+<file path=ppt/slides/slide39.xml><?xml version="1.0" encoding="utf-8"?>
+<p:sld xmlns:a="http://schemas.openxmlformats.org/drawingml/2006/main" xmlns:r="http://schemas.openxmlformats.org/officeDocument/2006/relationships" xmlns:p="http://schemas.openxmlformats.org/presentationml/2006/main">
+  <p:cSld>
+    <p:spTree>
+      <p:nvGrpSpPr>
+        <p:cNvPr id="1" name=""/>
+        <p:cNvGrpSpPr/>
+        <p:nvPr/>
+      </p:nvGrpSpPr>
+      <p:grpSpPr>
+        <a:xfrm>
+          <a:off x="0" y="0"/>
+          <a:ext cx="0" cy="0"/>
+          <a:chOff x="0" y="0"/>
+          <a:chExt cx="0" cy="0"/>
+        </a:xfrm>
+      </p:grpSpPr>
+      <p:pic>
+        <p:nvPicPr>
+          <p:cNvPr id="4" name="그림 3"/>
+          <p:cNvPicPr>
+            <a:picLocks noChangeAspect="1"/>
+          </p:cNvPicPr>
+          <p:nvPr/>
+        </p:nvPicPr>
+        <p:blipFill>
+          <a:blip r:embed="rId2"/>
+          <a:stretch>
+            <a:fillRect/>
+          </a:stretch>
+        </p:blipFill>
+        <p:spPr>
+          <a:xfrm>
+            <a:off x="1611785" y="471700"/>
+            <a:ext cx="7955295" cy="5975581"/>
+          </a:xfrm>
+          <a:prstGeom prst="rect">
+            <a:avLst/>
+          </a:prstGeom>
+        </p:spPr>
+      </p:pic>
+    </p:spTree>
+    <p:extLst>
+      <p:ext uri="{BB962C8B-B14F-4D97-AF65-F5344CB8AC3E}">
+        <p14:creationId xmlns:p14="http://schemas.microsoft.com/office/powerpoint/2010/main" val="3737032611"/>
       </p:ext>
     </p:extLst>
   </p:cSld>
@@ -7677,6 +9251,1721 @@
     <p:extLst>
       <p:ext uri="{BB962C8B-B14F-4D97-AF65-F5344CB8AC3E}">
         <p14:creationId xmlns:p14="http://schemas.microsoft.com/office/powerpoint/2010/main" val="1195228878"/>
+      </p:ext>
+    </p:extLst>
+  </p:cSld>
+  <p:clrMapOvr>
+    <a:masterClrMapping/>
+  </p:clrMapOvr>
+  <p:timing>
+    <p:tnLst>
+      <p:par>
+        <p:cTn id="1" dur="indefinite" restart="never" nodeType="tmRoot"/>
+      </p:par>
+    </p:tnLst>
+  </p:timing>
+</p:sld>
+</file>
+
+<file path=ppt/slides/slide40.xml><?xml version="1.0" encoding="utf-8"?>
+<p:sld xmlns:a="http://schemas.openxmlformats.org/drawingml/2006/main" xmlns:r="http://schemas.openxmlformats.org/officeDocument/2006/relationships" xmlns:p="http://schemas.openxmlformats.org/presentationml/2006/main">
+  <p:cSld>
+    <p:spTree>
+      <p:nvGrpSpPr>
+        <p:cNvPr id="1" name=""/>
+        <p:cNvGrpSpPr/>
+        <p:nvPr/>
+      </p:nvGrpSpPr>
+      <p:grpSpPr>
+        <a:xfrm>
+          <a:off x="0" y="0"/>
+          <a:ext cx="0" cy="0"/>
+          <a:chOff x="0" y="0"/>
+          <a:chExt cx="0" cy="0"/>
+        </a:xfrm>
+      </p:grpSpPr>
+      <p:pic>
+        <p:nvPicPr>
+          <p:cNvPr id="3" name="그림 2"/>
+          <p:cNvPicPr>
+            <a:picLocks noChangeAspect="1"/>
+          </p:cNvPicPr>
+          <p:nvPr/>
+        </p:nvPicPr>
+        <p:blipFill>
+          <a:blip r:embed="rId2">
+            <a:extLst>
+              <a:ext uri="{28A0092B-C50C-407E-A947-70E740481C1C}">
+                <a14:useLocalDpi xmlns:a14="http://schemas.microsoft.com/office/drawing/2010/main" val="0"/>
+              </a:ext>
+            </a:extLst>
+          </a:blip>
+          <a:stretch>
+            <a:fillRect/>
+          </a:stretch>
+        </p:blipFill>
+        <p:spPr>
+          <a:xfrm>
+            <a:off x="2006390" y="825366"/>
+            <a:ext cx="8179220" cy="5207268"/>
+          </a:xfrm>
+          <a:prstGeom prst="rect">
+            <a:avLst/>
+          </a:prstGeom>
+        </p:spPr>
+      </p:pic>
+      <p:grpSp>
+        <p:nvGrpSpPr>
+          <p:cNvPr id="6" name="그룹 5"/>
+          <p:cNvGrpSpPr/>
+          <p:nvPr/>
+        </p:nvGrpSpPr>
+        <p:grpSpPr>
+          <a:xfrm>
+            <a:off x="9239534" y="1419367"/>
+            <a:ext cx="1920719" cy="1201003"/>
+            <a:chOff x="9239534" y="1419367"/>
+            <a:chExt cx="1920719" cy="1201003"/>
+          </a:xfrm>
+        </p:grpSpPr>
+        <p:sp>
+          <p:nvSpPr>
+            <p:cNvPr id="4" name="직사각형 3"/>
+            <p:cNvSpPr/>
+            <p:nvPr/>
+          </p:nvSpPr>
+          <p:spPr>
+            <a:xfrm>
+              <a:off x="9239534" y="2060812"/>
+              <a:ext cx="573206" cy="559558"/>
+            </a:xfrm>
+            <a:prstGeom prst="rect">
+              <a:avLst/>
+            </a:prstGeom>
+            <a:noFill/>
+            <a:ln>
+              <a:solidFill>
+                <a:srgbClr val="C00000"/>
+              </a:solidFill>
+            </a:ln>
+          </p:spPr>
+          <p:style>
+            <a:lnRef idx="2">
+              <a:schemeClr val="dk1"/>
+            </a:lnRef>
+            <a:fillRef idx="1">
+              <a:schemeClr val="lt1"/>
+            </a:fillRef>
+            <a:effectRef idx="0">
+              <a:schemeClr val="dk1"/>
+            </a:effectRef>
+            <a:fontRef idx="minor">
+              <a:schemeClr val="dk1"/>
+            </a:fontRef>
+          </p:style>
+          <p:txBody>
+            <a:bodyPr rtlCol="0" anchor="ctr"/>
+            <a:lstStyle/>
+            <a:p>
+              <a:pPr algn="ctr"/>
+              <a:endParaRPr lang="ko-KR" altLang="en-US"/>
+            </a:p>
+          </p:txBody>
+        </p:sp>
+        <p:sp>
+          <p:nvSpPr>
+            <p:cNvPr id="5" name="TextBox 4"/>
+            <p:cNvSpPr txBox="1"/>
+            <p:nvPr/>
+          </p:nvSpPr>
+          <p:spPr>
+            <a:xfrm>
+              <a:off x="9239534" y="1419367"/>
+              <a:ext cx="1920719" cy="369332"/>
+            </a:xfrm>
+            <a:prstGeom prst="rect">
+              <a:avLst/>
+            </a:prstGeom>
+            <a:noFill/>
+          </p:spPr>
+          <p:txBody>
+            <a:bodyPr wrap="none" rtlCol="0">
+              <a:spAutoFit/>
+            </a:bodyPr>
+            <a:lstStyle/>
+            <a:p>
+              <a:r>
+                <a:rPr lang="en-US" altLang="ko-KR" dirty="0" err="1" smtClean="0"/>
+                <a:t>identity_function</a:t>
+              </a:r>
+              <a:endParaRPr lang="ko-KR" altLang="en-US" dirty="0"/>
+            </a:p>
+          </p:txBody>
+        </p:sp>
+      </p:grpSp>
+    </p:spTree>
+    <p:extLst>
+      <p:ext uri="{BB962C8B-B14F-4D97-AF65-F5344CB8AC3E}">
+        <p14:creationId xmlns:p14="http://schemas.microsoft.com/office/powerpoint/2010/main" val="2259313188"/>
+      </p:ext>
+    </p:extLst>
+  </p:cSld>
+  <p:clrMapOvr>
+    <a:masterClrMapping/>
+  </p:clrMapOvr>
+  <p:timing>
+    <p:tnLst>
+      <p:par>
+        <p:cTn id="1" dur="indefinite" restart="never" nodeType="tmRoot">
+          <p:childTnLst>
+            <p:seq concurrent="1" nextAc="seek">
+              <p:cTn id="2" dur="indefinite" nodeType="mainSeq">
+                <p:childTnLst>
+                  <p:par>
+                    <p:cTn id="3" fill="hold">
+                      <p:stCondLst>
+                        <p:cond delay="indefinite"/>
+                      </p:stCondLst>
+                      <p:childTnLst>
+                        <p:par>
+                          <p:cTn id="4" fill="hold">
+                            <p:stCondLst>
+                              <p:cond delay="0"/>
+                            </p:stCondLst>
+                            <p:childTnLst>
+                              <p:par>
+                                <p:cTn id="5" presetID="1" presetClass="entr" presetSubtype="0" fill="hold" nodeType="clickEffect">
+                                  <p:stCondLst>
+                                    <p:cond delay="0"/>
+                                  </p:stCondLst>
+                                  <p:childTnLst>
+                                    <p:set>
+                                      <p:cBhvr>
+                                        <p:cTn id="6" dur="1" fill="hold">
+                                          <p:stCondLst>
+                                            <p:cond delay="0"/>
+                                          </p:stCondLst>
+                                        </p:cTn>
+                                        <p:tgtEl>
+                                          <p:spTgt spid="6"/>
+                                        </p:tgtEl>
+                                        <p:attrNameLst>
+                                          <p:attrName>style.visibility</p:attrName>
+                                        </p:attrNameLst>
+                                      </p:cBhvr>
+                                      <p:to>
+                                        <p:strVal val="visible"/>
+                                      </p:to>
+                                    </p:set>
+                                  </p:childTnLst>
+                                </p:cTn>
+                              </p:par>
+                            </p:childTnLst>
+                          </p:cTn>
+                        </p:par>
+                      </p:childTnLst>
+                    </p:cTn>
+                  </p:par>
+                </p:childTnLst>
+              </p:cTn>
+              <p:prevCondLst>
+                <p:cond evt="onPrev" delay="0">
+                  <p:tgtEl>
+                    <p:sldTgt/>
+                  </p:tgtEl>
+                </p:cond>
+              </p:prevCondLst>
+              <p:nextCondLst>
+                <p:cond evt="onNext" delay="0">
+                  <p:tgtEl>
+                    <p:sldTgt/>
+                  </p:tgtEl>
+                </p:cond>
+              </p:nextCondLst>
+            </p:seq>
+          </p:childTnLst>
+        </p:cTn>
+      </p:par>
+    </p:tnLst>
+  </p:timing>
+</p:sld>
+</file>
+
+<file path=ppt/slides/slide41.xml><?xml version="1.0" encoding="utf-8"?>
+<p:sld xmlns:a="http://schemas.openxmlformats.org/drawingml/2006/main" xmlns:r="http://schemas.openxmlformats.org/officeDocument/2006/relationships" xmlns:p="http://schemas.openxmlformats.org/presentationml/2006/main">
+  <p:cSld>
+    <p:spTree>
+      <p:nvGrpSpPr>
+        <p:cNvPr id="1" name=""/>
+        <p:cNvGrpSpPr/>
+        <p:nvPr/>
+      </p:nvGrpSpPr>
+      <p:grpSpPr>
+        <a:xfrm>
+          <a:off x="0" y="0"/>
+          <a:ext cx="0" cy="0"/>
+          <a:chOff x="0" y="0"/>
+          <a:chExt cx="0" cy="0"/>
+        </a:xfrm>
+      </p:grpSpPr>
+      <p:pic>
+        <p:nvPicPr>
+          <p:cNvPr id="3" name="그림 2"/>
+          <p:cNvPicPr>
+            <a:picLocks noChangeAspect="1"/>
+          </p:cNvPicPr>
+          <p:nvPr/>
+        </p:nvPicPr>
+        <p:blipFill>
+          <a:blip r:embed="rId2"/>
+          <a:stretch>
+            <a:fillRect/>
+          </a:stretch>
+        </p:blipFill>
+        <p:spPr>
+          <a:xfrm>
+            <a:off x="1258649" y="873456"/>
+            <a:ext cx="8745159" cy="5040091"/>
+          </a:xfrm>
+          <a:prstGeom prst="rect">
+            <a:avLst/>
+          </a:prstGeom>
+        </p:spPr>
+      </p:pic>
+    </p:spTree>
+    <p:extLst>
+      <p:ext uri="{BB962C8B-B14F-4D97-AF65-F5344CB8AC3E}">
+        <p14:creationId xmlns:p14="http://schemas.microsoft.com/office/powerpoint/2010/main" val="192932544"/>
+      </p:ext>
+    </p:extLst>
+  </p:cSld>
+  <p:clrMapOvr>
+    <a:masterClrMapping/>
+  </p:clrMapOvr>
+  <p:timing>
+    <p:tnLst>
+      <p:par>
+        <p:cTn id="1" dur="indefinite" restart="never" nodeType="tmRoot"/>
+      </p:par>
+    </p:tnLst>
+  </p:timing>
+</p:sld>
+</file>
+
+<file path=ppt/slides/slide42.xml><?xml version="1.0" encoding="utf-8"?>
+<p:sld xmlns:a="http://schemas.openxmlformats.org/drawingml/2006/main" xmlns:r="http://schemas.openxmlformats.org/officeDocument/2006/relationships" xmlns:p="http://schemas.openxmlformats.org/presentationml/2006/main">
+  <p:cSld>
+    <p:spTree>
+      <p:nvGrpSpPr>
+        <p:cNvPr id="1" name=""/>
+        <p:cNvGrpSpPr/>
+        <p:nvPr/>
+      </p:nvGrpSpPr>
+      <p:grpSpPr>
+        <a:xfrm>
+          <a:off x="0" y="0"/>
+          <a:ext cx="0" cy="0"/>
+          <a:chOff x="0" y="0"/>
+          <a:chExt cx="0" cy="0"/>
+        </a:xfrm>
+      </p:grpSpPr>
+      <p:sp>
+        <p:nvSpPr>
+          <p:cNvPr id="2" name="제목 1"/>
+          <p:cNvSpPr>
+            <a:spLocks noGrp="1"/>
+          </p:cNvSpPr>
+          <p:nvPr>
+            <p:ph type="title"/>
+          </p:nvPr>
+        </p:nvSpPr>
+        <p:spPr/>
+        <p:txBody>
+          <a:bodyPr/>
+          <a:lstStyle/>
+          <a:p>
+            <a:r>
+              <a:rPr lang="ko-KR" altLang="en-US" dirty="0" err="1" smtClean="0"/>
+              <a:t>출력층을</a:t>
+            </a:r>
+            <a:r>
+              <a:rPr lang="ko-KR" altLang="en-US" dirty="0" smtClean="0"/>
+              <a:t> 좀만 더 </a:t>
+            </a:r>
+            <a:r>
+              <a:rPr lang="ko-KR" altLang="en-US" dirty="0" smtClean="0"/>
+              <a:t>알아보고 </a:t>
+            </a:r>
+            <a:r>
+              <a:rPr lang="ko-KR" altLang="en-US" dirty="0" smtClean="0"/>
+              <a:t>가겠습니다</a:t>
+            </a:r>
+            <a:r>
+              <a:rPr lang="en-US" altLang="ko-KR" dirty="0" smtClean="0"/>
+              <a:t>.</a:t>
+            </a:r>
+            <a:endParaRPr lang="ko-KR" altLang="en-US" dirty="0"/>
+          </a:p>
+        </p:txBody>
+      </p:sp>
+      <p:sp>
+        <p:nvSpPr>
+          <p:cNvPr id="3" name="내용 개체 틀 2"/>
+          <p:cNvSpPr>
+            <a:spLocks noGrp="1"/>
+          </p:cNvSpPr>
+          <p:nvPr>
+            <p:ph idx="1"/>
+          </p:nvPr>
+        </p:nvSpPr>
+        <p:spPr/>
+        <p:txBody>
+          <a:bodyPr/>
+          <a:lstStyle/>
+          <a:p>
+            <a:r>
+              <a:rPr lang="ko-KR" altLang="en-US" dirty="0" smtClean="0"/>
+              <a:t>신경망은 분류 와 회귀로 나뉜다</a:t>
+            </a:r>
+            <a:r>
+              <a:rPr lang="en-US" altLang="ko-KR" dirty="0" smtClean="0"/>
+              <a:t>.</a:t>
+            </a:r>
+          </a:p>
+          <a:p>
+            <a:endParaRPr lang="en-US" altLang="ko-KR" dirty="0"/>
+          </a:p>
+          <a:p>
+            <a:r>
+              <a:rPr lang="ko-KR" altLang="en-US" dirty="0" smtClean="0"/>
+              <a:t>분류</a:t>
+            </a:r>
+            <a:r>
+              <a:rPr lang="en-US" altLang="ko-KR" dirty="0" smtClean="0"/>
+              <a:t>: </a:t>
+            </a:r>
+            <a:r>
+              <a:rPr lang="ko-KR" altLang="en-US" dirty="0" smtClean="0"/>
+              <a:t>데이터가 어느 클래스에 속하는가를 다루는 것</a:t>
+            </a:r>
+            <a:r>
+              <a:rPr lang="en-US" altLang="ko-KR" dirty="0" smtClean="0"/>
+              <a:t>.</a:t>
+            </a:r>
+          </a:p>
+          <a:p>
+            <a:r>
+              <a:rPr lang="ko-KR" altLang="en-US" dirty="0" smtClean="0"/>
+              <a:t>회귀</a:t>
+            </a:r>
+            <a:r>
+              <a:rPr lang="en-US" altLang="ko-KR" dirty="0" smtClean="0"/>
+              <a:t>: </a:t>
+            </a:r>
+            <a:r>
+              <a:rPr lang="ko-KR" altLang="en-US" dirty="0" smtClean="0"/>
+              <a:t>입력이 있을 때</a:t>
+            </a:r>
+            <a:r>
+              <a:rPr lang="en-US" altLang="ko-KR" dirty="0" smtClean="0"/>
+              <a:t>, </a:t>
+            </a:r>
+            <a:r>
+              <a:rPr lang="ko-KR" altLang="en-US" dirty="0" smtClean="0"/>
+              <a:t>결과예측을 다루는 것</a:t>
+            </a:r>
+            <a:r>
+              <a:rPr lang="en-US" altLang="ko-KR" dirty="0" smtClean="0"/>
+              <a:t>.</a:t>
+            </a:r>
+          </a:p>
+        </p:txBody>
+      </p:sp>
+    </p:spTree>
+    <p:extLst>
+      <p:ext uri="{BB962C8B-B14F-4D97-AF65-F5344CB8AC3E}">
+        <p14:creationId xmlns:p14="http://schemas.microsoft.com/office/powerpoint/2010/main" val="1904610473"/>
+      </p:ext>
+    </p:extLst>
+  </p:cSld>
+  <p:clrMapOvr>
+    <a:masterClrMapping/>
+  </p:clrMapOvr>
+  <p:timing>
+    <p:tnLst>
+      <p:par>
+        <p:cTn id="1" dur="indefinite" restart="never" nodeType="tmRoot"/>
+      </p:par>
+    </p:tnLst>
+  </p:timing>
+</p:sld>
+</file>
+
+<file path=ppt/slides/slide43.xml><?xml version="1.0" encoding="utf-8"?>
+<p:sld xmlns:a="http://schemas.openxmlformats.org/drawingml/2006/main" xmlns:r="http://schemas.openxmlformats.org/officeDocument/2006/relationships" xmlns:p="http://schemas.openxmlformats.org/presentationml/2006/main">
+  <p:cSld>
+    <p:spTree>
+      <p:nvGrpSpPr>
+        <p:cNvPr id="1" name=""/>
+        <p:cNvGrpSpPr/>
+        <p:nvPr/>
+      </p:nvGrpSpPr>
+      <p:grpSpPr>
+        <a:xfrm>
+          <a:off x="0" y="0"/>
+          <a:ext cx="0" cy="0"/>
+          <a:chOff x="0" y="0"/>
+          <a:chExt cx="0" cy="0"/>
+        </a:xfrm>
+      </p:grpSpPr>
+      <p:sp>
+        <p:nvSpPr>
+          <p:cNvPr id="2" name="제목 1"/>
+          <p:cNvSpPr>
+            <a:spLocks noGrp="1"/>
+          </p:cNvSpPr>
+          <p:nvPr>
+            <p:ph type="title"/>
+          </p:nvPr>
+        </p:nvSpPr>
+        <p:spPr/>
+        <p:txBody>
+          <a:bodyPr/>
+          <a:lstStyle/>
+          <a:p>
+            <a:r>
+              <a:rPr lang="ko-KR" altLang="en-US" dirty="0" err="1" smtClean="0"/>
+              <a:t>항등</a:t>
+            </a:r>
+            <a:r>
+              <a:rPr lang="ko-KR" altLang="en-US" dirty="0" smtClean="0"/>
+              <a:t> 함수 </a:t>
+            </a:r>
+            <a:r>
+              <a:rPr lang="en-US" altLang="ko-KR" dirty="0" smtClean="0"/>
+              <a:t>(</a:t>
+            </a:r>
+            <a:r>
+              <a:rPr lang="ko-KR" altLang="en-US" dirty="0" smtClean="0"/>
+              <a:t>회귀에서 많이 사용</a:t>
+            </a:r>
+            <a:r>
+              <a:rPr lang="en-US" altLang="ko-KR" dirty="0" smtClean="0"/>
+              <a:t>)</a:t>
+            </a:r>
+            <a:endParaRPr lang="ko-KR" altLang="en-US" dirty="0"/>
+          </a:p>
+        </p:txBody>
+      </p:sp>
+      <p:pic>
+        <p:nvPicPr>
+          <p:cNvPr id="3" name="그림 2"/>
+          <p:cNvPicPr>
+            <a:picLocks noChangeAspect="1"/>
+          </p:cNvPicPr>
+          <p:nvPr/>
+        </p:nvPicPr>
+        <p:blipFill>
+          <a:blip r:embed="rId2">
+            <a:extLst>
+              <a:ext uri="{28A0092B-C50C-407E-A947-70E740481C1C}">
+                <a14:useLocalDpi xmlns:a14="http://schemas.microsoft.com/office/drawing/2010/main" val="0"/>
+              </a:ext>
+            </a:extLst>
+          </a:blip>
+          <a:stretch>
+            <a:fillRect/>
+          </a:stretch>
+        </p:blipFill>
+        <p:spPr>
+          <a:xfrm>
+            <a:off x="972918" y="2064627"/>
+            <a:ext cx="3148705" cy="4217710"/>
+          </a:xfrm>
+          <a:prstGeom prst="rect">
+            <a:avLst/>
+          </a:prstGeom>
+        </p:spPr>
+      </p:pic>
+      <p:sp>
+        <p:nvSpPr>
+          <p:cNvPr id="4" name="TextBox 3"/>
+          <p:cNvSpPr txBox="1"/>
+          <p:nvPr/>
+        </p:nvSpPr>
+        <p:spPr>
+          <a:xfrm>
+            <a:off x="5568287" y="2552131"/>
+            <a:ext cx="4389343" cy="369332"/>
+          </a:xfrm>
+          <a:prstGeom prst="rect">
+            <a:avLst/>
+          </a:prstGeom>
+          <a:noFill/>
+        </p:spPr>
+        <p:txBody>
+          <a:bodyPr wrap="none" rtlCol="0">
+            <a:spAutoFit/>
+          </a:bodyPr>
+          <a:lstStyle/>
+          <a:p>
+            <a:r>
+              <a:rPr lang="ko-KR" altLang="en-US" dirty="0" err="1" smtClean="0"/>
+              <a:t>항등</a:t>
+            </a:r>
+            <a:r>
+              <a:rPr lang="ko-KR" altLang="en-US" dirty="0" smtClean="0"/>
+              <a:t> 함수</a:t>
+            </a:r>
+            <a:r>
+              <a:rPr lang="en-US" altLang="ko-KR" dirty="0" smtClean="0"/>
+              <a:t>: </a:t>
+            </a:r>
+            <a:r>
+              <a:rPr lang="ko-KR" altLang="en-US" dirty="0" smtClean="0"/>
+              <a:t>입력을 그대로 출력하는 함수</a:t>
+            </a:r>
+            <a:r>
+              <a:rPr lang="en-US" altLang="ko-KR" dirty="0" smtClean="0"/>
+              <a:t>.</a:t>
+            </a:r>
+            <a:endParaRPr lang="ko-KR" altLang="en-US" dirty="0"/>
+          </a:p>
+        </p:txBody>
+      </p:sp>
+    </p:spTree>
+    <p:extLst>
+      <p:ext uri="{BB962C8B-B14F-4D97-AF65-F5344CB8AC3E}">
+        <p14:creationId xmlns:p14="http://schemas.microsoft.com/office/powerpoint/2010/main" val="1708164630"/>
+      </p:ext>
+    </p:extLst>
+  </p:cSld>
+  <p:clrMapOvr>
+    <a:masterClrMapping/>
+  </p:clrMapOvr>
+  <p:timing>
+    <p:tnLst>
+      <p:par>
+        <p:cTn id="1" dur="indefinite" restart="never" nodeType="tmRoot"/>
+      </p:par>
+    </p:tnLst>
+  </p:timing>
+</p:sld>
+</file>
+
+<file path=ppt/slides/slide44.xml><?xml version="1.0" encoding="utf-8"?>
+<p:sld xmlns:a="http://schemas.openxmlformats.org/drawingml/2006/main" xmlns:r="http://schemas.openxmlformats.org/officeDocument/2006/relationships" xmlns:p="http://schemas.openxmlformats.org/presentationml/2006/main">
+  <p:cSld>
+    <p:spTree>
+      <p:nvGrpSpPr>
+        <p:cNvPr id="1" name=""/>
+        <p:cNvGrpSpPr/>
+        <p:nvPr/>
+      </p:nvGrpSpPr>
+      <p:grpSpPr>
+        <a:xfrm>
+          <a:off x="0" y="0"/>
+          <a:ext cx="0" cy="0"/>
+          <a:chOff x="0" y="0"/>
+          <a:chExt cx="0" cy="0"/>
+        </a:xfrm>
+      </p:grpSpPr>
+      <p:sp>
+        <p:nvSpPr>
+          <p:cNvPr id="2" name="제목 1"/>
+          <p:cNvSpPr>
+            <a:spLocks noGrp="1"/>
+          </p:cNvSpPr>
+          <p:nvPr>
+            <p:ph type="title"/>
+          </p:nvPr>
+        </p:nvSpPr>
+        <p:spPr/>
+        <p:txBody>
+          <a:bodyPr/>
+          <a:lstStyle/>
+          <a:p>
+            <a:r>
+              <a:rPr lang="ko-KR" altLang="en-US" dirty="0" err="1" smtClean="0"/>
+              <a:t>소프트맥스</a:t>
+            </a:r>
+            <a:r>
+              <a:rPr lang="ko-KR" altLang="en-US" dirty="0" smtClean="0"/>
+              <a:t>  함수 </a:t>
+            </a:r>
+            <a:r>
+              <a:rPr lang="en-US" altLang="ko-KR" dirty="0" smtClean="0"/>
+              <a:t>(</a:t>
+            </a:r>
+            <a:r>
+              <a:rPr lang="ko-KR" altLang="en-US" dirty="0" smtClean="0"/>
+              <a:t>분류에서 많이 사용</a:t>
+            </a:r>
+            <a:r>
+              <a:rPr lang="en-US" altLang="ko-KR" dirty="0" smtClean="0"/>
+              <a:t>)</a:t>
+            </a:r>
+            <a:endParaRPr lang="ko-KR" altLang="en-US" dirty="0"/>
+          </a:p>
+        </p:txBody>
+      </p:sp>
+      <p:pic>
+        <p:nvPicPr>
+          <p:cNvPr id="3" name="그림 2"/>
+          <p:cNvPicPr>
+            <a:picLocks noChangeAspect="1"/>
+          </p:cNvPicPr>
+          <p:nvPr/>
+        </p:nvPicPr>
+        <p:blipFill>
+          <a:blip r:embed="rId2">
+            <a:extLst>
+              <a:ext uri="{28A0092B-C50C-407E-A947-70E740481C1C}">
+                <a14:useLocalDpi xmlns:a14="http://schemas.microsoft.com/office/drawing/2010/main" val="0"/>
+              </a:ext>
+            </a:extLst>
+          </a:blip>
+          <a:stretch>
+            <a:fillRect/>
+          </a:stretch>
+        </p:blipFill>
+        <p:spPr>
+          <a:xfrm>
+            <a:off x="6722660" y="2460023"/>
+            <a:ext cx="3187890" cy="1713491"/>
+          </a:xfrm>
+          <a:prstGeom prst="rect">
+            <a:avLst/>
+          </a:prstGeom>
+        </p:spPr>
+      </p:pic>
+      <p:sp>
+        <p:nvSpPr>
+          <p:cNvPr id="4" name="TextBox 3"/>
+          <p:cNvSpPr txBox="1"/>
+          <p:nvPr/>
+        </p:nvSpPr>
+        <p:spPr>
+          <a:xfrm>
+            <a:off x="6722660" y="4833659"/>
+            <a:ext cx="3656770" cy="830997"/>
+          </a:xfrm>
+          <a:prstGeom prst="rect">
+            <a:avLst/>
+          </a:prstGeom>
+          <a:noFill/>
+        </p:spPr>
+        <p:txBody>
+          <a:bodyPr wrap="none" rtlCol="0">
+            <a:spAutoFit/>
+          </a:bodyPr>
+          <a:lstStyle/>
+          <a:p>
+            <a:r>
+              <a:rPr lang="ko-KR" altLang="en-US" sz="2400" dirty="0" smtClean="0"/>
+              <a:t>뭔가 있어 보이지만</a:t>
+            </a:r>
+            <a:r>
+              <a:rPr lang="en-US" altLang="ko-KR" sz="2400" dirty="0" smtClean="0"/>
+              <a:t>, </a:t>
+            </a:r>
+          </a:p>
+          <a:p>
+            <a:r>
+              <a:rPr lang="ko-KR" altLang="en-US" sz="2400" dirty="0" smtClean="0"/>
+              <a:t>풀어보면 기가 차게 쉬움</a:t>
+            </a:r>
+            <a:r>
+              <a:rPr lang="en-US" altLang="ko-KR" sz="2400" dirty="0" smtClean="0"/>
+              <a:t>.</a:t>
+            </a:r>
+            <a:endParaRPr lang="ko-KR" altLang="en-US" sz="2400" dirty="0"/>
+          </a:p>
+        </p:txBody>
+      </p:sp>
+      <p:pic>
+        <p:nvPicPr>
+          <p:cNvPr id="5" name="그림 4"/>
+          <p:cNvPicPr>
+            <a:picLocks noChangeAspect="1"/>
+          </p:cNvPicPr>
+          <p:nvPr/>
+        </p:nvPicPr>
+        <p:blipFill>
+          <a:blip r:embed="rId3">
+            <a:extLst>
+              <a:ext uri="{28A0092B-C50C-407E-A947-70E740481C1C}">
+                <a14:useLocalDpi xmlns:a14="http://schemas.microsoft.com/office/drawing/2010/main" val="0"/>
+              </a:ext>
+            </a:extLst>
+          </a:blip>
+          <a:stretch>
+            <a:fillRect/>
+          </a:stretch>
+        </p:blipFill>
+        <p:spPr>
+          <a:xfrm>
+            <a:off x="838200" y="1812167"/>
+            <a:ext cx="3520554" cy="4722695"/>
+          </a:xfrm>
+          <a:prstGeom prst="rect">
+            <a:avLst/>
+          </a:prstGeom>
+        </p:spPr>
+      </p:pic>
+    </p:spTree>
+    <p:extLst>
+      <p:ext uri="{BB962C8B-B14F-4D97-AF65-F5344CB8AC3E}">
+        <p14:creationId xmlns:p14="http://schemas.microsoft.com/office/powerpoint/2010/main" val="2566589462"/>
+      </p:ext>
+    </p:extLst>
+  </p:cSld>
+  <p:clrMapOvr>
+    <a:masterClrMapping/>
+  </p:clrMapOvr>
+  <p:timing>
+    <p:tnLst>
+      <p:par>
+        <p:cTn id="1" dur="indefinite" restart="never" nodeType="tmRoot"/>
+      </p:par>
+    </p:tnLst>
+  </p:timing>
+</p:sld>
+</file>
+
+<file path=ppt/slides/slide45.xml><?xml version="1.0" encoding="utf-8"?>
+<p:sld xmlns:a="http://schemas.openxmlformats.org/drawingml/2006/main" xmlns:r="http://schemas.openxmlformats.org/officeDocument/2006/relationships" xmlns:p="http://schemas.openxmlformats.org/presentationml/2006/main">
+  <p:cSld>
+    <p:spTree>
+      <p:nvGrpSpPr>
+        <p:cNvPr id="1" name=""/>
+        <p:cNvGrpSpPr/>
+        <p:nvPr/>
+      </p:nvGrpSpPr>
+      <p:grpSpPr>
+        <a:xfrm>
+          <a:off x="0" y="0"/>
+          <a:ext cx="0" cy="0"/>
+          <a:chOff x="0" y="0"/>
+          <a:chExt cx="0" cy="0"/>
+        </a:xfrm>
+      </p:grpSpPr>
+      <p:sp>
+        <p:nvSpPr>
+          <p:cNvPr id="2" name="제목 1"/>
+          <p:cNvSpPr>
+            <a:spLocks noGrp="1"/>
+          </p:cNvSpPr>
+          <p:nvPr>
+            <p:ph type="title"/>
+          </p:nvPr>
+        </p:nvSpPr>
+        <p:spPr/>
+        <p:txBody>
+          <a:bodyPr/>
+          <a:lstStyle/>
+          <a:p>
+            <a:r>
+              <a:rPr lang="ko-KR" altLang="en-US" dirty="0" smtClean="0"/>
+              <a:t>구현해 볼까요</a:t>
+            </a:r>
+            <a:r>
+              <a:rPr lang="en-US" altLang="ko-KR" dirty="0" smtClean="0"/>
+              <a:t>?(</a:t>
+            </a:r>
+            <a:r>
+              <a:rPr lang="ko-KR" altLang="en-US" sz="2400" dirty="0" smtClean="0"/>
+              <a:t>구현해봐도 </a:t>
+            </a:r>
+            <a:r>
+              <a:rPr lang="ko-KR" altLang="en-US" sz="2400" dirty="0" err="1" smtClean="0"/>
+              <a:t>쉬운건</a:t>
+            </a:r>
+            <a:r>
+              <a:rPr lang="ko-KR" altLang="en-US" sz="2400" dirty="0" smtClean="0"/>
+              <a:t> 쉬움</a:t>
+            </a:r>
+            <a:r>
+              <a:rPr lang="en-US" altLang="ko-KR" dirty="0" smtClean="0"/>
+              <a:t>)</a:t>
+            </a:r>
+            <a:endParaRPr lang="ko-KR" altLang="en-US" dirty="0"/>
+          </a:p>
+        </p:txBody>
+      </p:sp>
+      <p:pic>
+        <p:nvPicPr>
+          <p:cNvPr id="3" name="그림 2"/>
+          <p:cNvPicPr>
+            <a:picLocks noChangeAspect="1"/>
+          </p:cNvPicPr>
+          <p:nvPr/>
+        </p:nvPicPr>
+        <p:blipFill>
+          <a:blip r:embed="rId2"/>
+          <a:stretch>
+            <a:fillRect/>
+          </a:stretch>
+        </p:blipFill>
+        <p:spPr>
+          <a:xfrm>
+            <a:off x="337639" y="1690688"/>
+            <a:ext cx="6458945" cy="4898703"/>
+          </a:xfrm>
+          <a:prstGeom prst="rect">
+            <a:avLst/>
+          </a:prstGeom>
+        </p:spPr>
+      </p:pic>
+      <p:pic>
+        <p:nvPicPr>
+          <p:cNvPr id="4" name="그림 3"/>
+          <p:cNvPicPr>
+            <a:picLocks noChangeAspect="1"/>
+          </p:cNvPicPr>
+          <p:nvPr/>
+        </p:nvPicPr>
+        <p:blipFill>
+          <a:blip r:embed="rId3"/>
+          <a:stretch>
+            <a:fillRect/>
+          </a:stretch>
+        </p:blipFill>
+        <p:spPr>
+          <a:xfrm>
+            <a:off x="6796583" y="1690688"/>
+            <a:ext cx="5073707" cy="1325563"/>
+          </a:xfrm>
+          <a:prstGeom prst="rect">
+            <a:avLst/>
+          </a:prstGeom>
+        </p:spPr>
+      </p:pic>
+    </p:spTree>
+    <p:extLst>
+      <p:ext uri="{BB962C8B-B14F-4D97-AF65-F5344CB8AC3E}">
+        <p14:creationId xmlns:p14="http://schemas.microsoft.com/office/powerpoint/2010/main" val="480768331"/>
+      </p:ext>
+    </p:extLst>
+  </p:cSld>
+  <p:clrMapOvr>
+    <a:masterClrMapping/>
+  </p:clrMapOvr>
+  <p:timing>
+    <p:tnLst>
+      <p:par>
+        <p:cTn id="1" dur="indefinite" restart="never" nodeType="tmRoot">
+          <p:childTnLst>
+            <p:seq concurrent="1" nextAc="seek">
+              <p:cTn id="2" dur="indefinite" nodeType="mainSeq">
+                <p:childTnLst>
+                  <p:par>
+                    <p:cTn id="3" fill="hold">
+                      <p:stCondLst>
+                        <p:cond delay="indefinite"/>
+                      </p:stCondLst>
+                      <p:childTnLst>
+                        <p:par>
+                          <p:cTn id="4" fill="hold">
+                            <p:stCondLst>
+                              <p:cond delay="0"/>
+                            </p:stCondLst>
+                            <p:childTnLst>
+                              <p:par>
+                                <p:cTn id="5" presetID="1" presetClass="entr" presetSubtype="0" fill="hold" nodeType="clickEffect">
+                                  <p:stCondLst>
+                                    <p:cond delay="0"/>
+                                  </p:stCondLst>
+                                  <p:childTnLst>
+                                    <p:set>
+                                      <p:cBhvr>
+                                        <p:cTn id="6" dur="1" fill="hold">
+                                          <p:stCondLst>
+                                            <p:cond delay="0"/>
+                                          </p:stCondLst>
+                                        </p:cTn>
+                                        <p:tgtEl>
+                                          <p:spTgt spid="4"/>
+                                        </p:tgtEl>
+                                        <p:attrNameLst>
+                                          <p:attrName>style.visibility</p:attrName>
+                                        </p:attrNameLst>
+                                      </p:cBhvr>
+                                      <p:to>
+                                        <p:strVal val="visible"/>
+                                      </p:to>
+                                    </p:set>
+                                  </p:childTnLst>
+                                </p:cTn>
+                              </p:par>
+                            </p:childTnLst>
+                          </p:cTn>
+                        </p:par>
+                      </p:childTnLst>
+                    </p:cTn>
+                  </p:par>
+                </p:childTnLst>
+              </p:cTn>
+              <p:prevCondLst>
+                <p:cond evt="onPrev" delay="0">
+                  <p:tgtEl>
+                    <p:sldTgt/>
+                  </p:tgtEl>
+                </p:cond>
+              </p:prevCondLst>
+              <p:nextCondLst>
+                <p:cond evt="onNext" delay="0">
+                  <p:tgtEl>
+                    <p:sldTgt/>
+                  </p:tgtEl>
+                </p:cond>
+              </p:nextCondLst>
+            </p:seq>
+          </p:childTnLst>
+        </p:cTn>
+      </p:par>
+    </p:tnLst>
+  </p:timing>
+</p:sld>
+</file>
+
+<file path=ppt/slides/slide46.xml><?xml version="1.0" encoding="utf-8"?>
+<p:sld xmlns:a="http://schemas.openxmlformats.org/drawingml/2006/main" xmlns:r="http://schemas.openxmlformats.org/officeDocument/2006/relationships" xmlns:p="http://schemas.openxmlformats.org/presentationml/2006/main">
+  <p:cSld>
+    <p:spTree>
+      <p:nvGrpSpPr>
+        <p:cNvPr id="1" name=""/>
+        <p:cNvGrpSpPr/>
+        <p:nvPr/>
+      </p:nvGrpSpPr>
+      <p:grpSpPr>
+        <a:xfrm>
+          <a:off x="0" y="0"/>
+          <a:ext cx="0" cy="0"/>
+          <a:chOff x="0" y="0"/>
+          <a:chExt cx="0" cy="0"/>
+        </a:xfrm>
+      </p:grpSpPr>
+      <p:sp>
+        <p:nvSpPr>
+          <p:cNvPr id="2" name="제목 1"/>
+          <p:cNvSpPr>
+            <a:spLocks noGrp="1"/>
+          </p:cNvSpPr>
+          <p:nvPr>
+            <p:ph type="title"/>
+          </p:nvPr>
+        </p:nvSpPr>
+        <p:spPr/>
+        <p:txBody>
+          <a:bodyPr/>
+          <a:lstStyle/>
+          <a:p>
+            <a:r>
+              <a:rPr lang="ko-KR" altLang="en-US" dirty="0" err="1" smtClean="0"/>
+              <a:t>소프트맥스</a:t>
+            </a:r>
+            <a:r>
+              <a:rPr lang="ko-KR" altLang="en-US" dirty="0" smtClean="0"/>
+              <a:t> 함수 </a:t>
+            </a:r>
+            <a:r>
+              <a:rPr lang="ko-KR" altLang="en-US" dirty="0" err="1" smtClean="0"/>
+              <a:t>구현시</a:t>
+            </a:r>
+            <a:r>
+              <a:rPr lang="ko-KR" altLang="en-US" dirty="0" smtClean="0"/>
+              <a:t> 주의할 점</a:t>
+            </a:r>
+            <a:r>
+              <a:rPr lang="en-US" altLang="ko-KR" dirty="0" smtClean="0"/>
+              <a:t>(</a:t>
+            </a:r>
+            <a:r>
+              <a:rPr lang="ko-KR" altLang="en-US" sz="2400" dirty="0" smtClean="0"/>
+              <a:t>칠판</a:t>
+            </a:r>
+            <a:r>
+              <a:rPr lang="en-US" altLang="ko-KR" dirty="0" smtClean="0"/>
+              <a:t>)</a:t>
+            </a:r>
+            <a:endParaRPr lang="ko-KR" altLang="en-US" dirty="0"/>
+          </a:p>
+        </p:txBody>
+      </p:sp>
+      <p:pic>
+        <p:nvPicPr>
+          <p:cNvPr id="3" name="그림 2"/>
+          <p:cNvPicPr>
+            <a:picLocks noChangeAspect="1"/>
+          </p:cNvPicPr>
+          <p:nvPr/>
+        </p:nvPicPr>
+        <p:blipFill>
+          <a:blip r:embed="rId2">
+            <a:extLst>
+              <a:ext uri="{28A0092B-C50C-407E-A947-70E740481C1C}">
+                <a14:useLocalDpi xmlns:a14="http://schemas.microsoft.com/office/drawing/2010/main" val="0"/>
+              </a:ext>
+            </a:extLst>
+          </a:blip>
+          <a:stretch>
+            <a:fillRect/>
+          </a:stretch>
+        </p:blipFill>
+        <p:spPr>
+          <a:xfrm>
+            <a:off x="2184571" y="1827166"/>
+            <a:ext cx="6413517" cy="4637179"/>
+          </a:xfrm>
+          <a:prstGeom prst="rect">
+            <a:avLst/>
+          </a:prstGeom>
+        </p:spPr>
+      </p:pic>
+    </p:spTree>
+    <p:extLst>
+      <p:ext uri="{BB962C8B-B14F-4D97-AF65-F5344CB8AC3E}">
+        <p14:creationId xmlns:p14="http://schemas.microsoft.com/office/powerpoint/2010/main" val="1153185770"/>
+      </p:ext>
+    </p:extLst>
+  </p:cSld>
+  <p:clrMapOvr>
+    <a:masterClrMapping/>
+  </p:clrMapOvr>
+  <p:timing>
+    <p:tnLst>
+      <p:par>
+        <p:cTn id="1" dur="indefinite" restart="never" nodeType="tmRoot"/>
+      </p:par>
+    </p:tnLst>
+  </p:timing>
+</p:sld>
+</file>
+
+<file path=ppt/slides/slide47.xml><?xml version="1.0" encoding="utf-8"?>
+<p:sld xmlns:a="http://schemas.openxmlformats.org/drawingml/2006/main" xmlns:r="http://schemas.openxmlformats.org/officeDocument/2006/relationships" xmlns:p="http://schemas.openxmlformats.org/presentationml/2006/main">
+  <p:cSld>
+    <p:spTree>
+      <p:nvGrpSpPr>
+        <p:cNvPr id="1" name=""/>
+        <p:cNvGrpSpPr/>
+        <p:nvPr/>
+      </p:nvGrpSpPr>
+      <p:grpSpPr>
+        <a:xfrm>
+          <a:off x="0" y="0"/>
+          <a:ext cx="0" cy="0"/>
+          <a:chOff x="0" y="0"/>
+          <a:chExt cx="0" cy="0"/>
+        </a:xfrm>
+      </p:grpSpPr>
+      <p:sp>
+        <p:nvSpPr>
+          <p:cNvPr id="2" name="제목 1"/>
+          <p:cNvSpPr>
+            <a:spLocks noGrp="1"/>
+          </p:cNvSpPr>
+          <p:nvPr>
+            <p:ph type="title"/>
+          </p:nvPr>
+        </p:nvSpPr>
+        <p:spPr/>
+        <p:txBody>
+          <a:bodyPr/>
+          <a:lstStyle/>
+          <a:p>
+            <a:r>
+              <a:rPr lang="ko-KR" altLang="en-US" dirty="0" err="1" smtClean="0"/>
+              <a:t>소프트맥스</a:t>
+            </a:r>
+            <a:r>
+              <a:rPr lang="ko-KR" altLang="en-US" dirty="0" smtClean="0"/>
+              <a:t> 함수 특징</a:t>
+            </a:r>
+            <a:endParaRPr lang="ko-KR" altLang="en-US" dirty="0"/>
+          </a:p>
+        </p:txBody>
+      </p:sp>
+      <p:sp>
+        <p:nvSpPr>
+          <p:cNvPr id="4" name="내용 개체 틀 3"/>
+          <p:cNvSpPr>
+            <a:spLocks noGrp="1"/>
+          </p:cNvSpPr>
+          <p:nvPr>
+            <p:ph idx="1"/>
+          </p:nvPr>
+        </p:nvSpPr>
+        <p:spPr/>
+        <p:txBody>
+          <a:bodyPr/>
+          <a:lstStyle/>
+          <a:p>
+            <a:r>
+              <a:rPr lang="ko-KR" altLang="en-US" dirty="0" smtClean="0"/>
+              <a:t>소프트 </a:t>
+            </a:r>
+            <a:r>
+              <a:rPr lang="ko-KR" altLang="en-US" dirty="0" err="1" smtClean="0"/>
+              <a:t>맥스</a:t>
+            </a:r>
+            <a:r>
+              <a:rPr lang="ko-KR" altLang="en-US" dirty="0" smtClean="0"/>
+              <a:t> 함수 출력을 확률로 표시 가능</a:t>
+            </a:r>
+            <a:r>
+              <a:rPr lang="en-US" altLang="ko-KR" dirty="0" smtClean="0"/>
+              <a:t>.</a:t>
+            </a:r>
+          </a:p>
+          <a:p>
+            <a:endParaRPr lang="en-US" altLang="ko-KR" dirty="0" smtClean="0"/>
+          </a:p>
+          <a:p>
+            <a:r>
+              <a:rPr lang="ko-KR" altLang="en-US" dirty="0" smtClean="0"/>
+              <a:t>소프트 </a:t>
+            </a:r>
+            <a:r>
+              <a:rPr lang="ko-KR" altLang="en-US" dirty="0" err="1" smtClean="0"/>
+              <a:t>맥스</a:t>
+            </a:r>
+            <a:r>
+              <a:rPr lang="ko-KR" altLang="en-US" dirty="0" smtClean="0"/>
+              <a:t> 함수를 적용해도</a:t>
+            </a:r>
+            <a:endParaRPr lang="en-US" altLang="ko-KR" dirty="0" smtClean="0"/>
+          </a:p>
+          <a:p>
+            <a:pPr lvl="1"/>
+            <a:r>
+              <a:rPr lang="ko-KR" altLang="en-US" dirty="0" smtClean="0"/>
+              <a:t>각 원소의 대소 관계 변함 없음</a:t>
+            </a:r>
+            <a:endParaRPr lang="en-US" altLang="ko-KR" dirty="0" smtClean="0"/>
+          </a:p>
+          <a:p>
+            <a:endParaRPr lang="en-US" altLang="ko-KR" dirty="0"/>
+          </a:p>
+          <a:p>
+            <a:r>
+              <a:rPr lang="ko-KR" altLang="en-US" dirty="0" smtClean="0"/>
+              <a:t>신경망의 분류에서는</a:t>
+            </a:r>
+            <a:endParaRPr lang="en-US" altLang="ko-KR" dirty="0" smtClean="0"/>
+          </a:p>
+          <a:p>
+            <a:pPr lvl="1"/>
+            <a:r>
+              <a:rPr lang="ko-KR" altLang="en-US" dirty="0" smtClean="0"/>
+              <a:t>일반적으로 가장 큰 출력을 내는 뉴런에 해당하는 클래스로만 인식</a:t>
+            </a:r>
+            <a:r>
+              <a:rPr lang="en-US" altLang="ko-KR" dirty="0" smtClean="0"/>
+              <a:t>.</a:t>
+            </a:r>
+            <a:endParaRPr lang="ko-KR" altLang="en-US" dirty="0"/>
+          </a:p>
+        </p:txBody>
+      </p:sp>
+      <p:pic>
+        <p:nvPicPr>
+          <p:cNvPr id="3" name="그림 2"/>
+          <p:cNvPicPr>
+            <a:picLocks noChangeAspect="1"/>
+          </p:cNvPicPr>
+          <p:nvPr/>
+        </p:nvPicPr>
+        <p:blipFill>
+          <a:blip r:embed="rId2">
+            <a:extLst>
+              <a:ext uri="{28A0092B-C50C-407E-A947-70E740481C1C}">
+                <a14:useLocalDpi xmlns:a14="http://schemas.microsoft.com/office/drawing/2010/main" val="0"/>
+              </a:ext>
+            </a:extLst>
+          </a:blip>
+          <a:stretch>
+            <a:fillRect/>
+          </a:stretch>
+        </p:blipFill>
+        <p:spPr>
+          <a:xfrm>
+            <a:off x="7907739" y="1763754"/>
+            <a:ext cx="3294911" cy="1771015"/>
+          </a:xfrm>
+          <a:prstGeom prst="rect">
+            <a:avLst/>
+          </a:prstGeom>
+        </p:spPr>
+      </p:pic>
+    </p:spTree>
+    <p:extLst>
+      <p:ext uri="{BB962C8B-B14F-4D97-AF65-F5344CB8AC3E}">
+        <p14:creationId xmlns:p14="http://schemas.microsoft.com/office/powerpoint/2010/main" val="2114411690"/>
+      </p:ext>
+    </p:extLst>
+  </p:cSld>
+  <p:clrMapOvr>
+    <a:masterClrMapping/>
+  </p:clrMapOvr>
+  <p:timing>
+    <p:tnLst>
+      <p:par>
+        <p:cTn id="1" dur="indefinite" restart="never" nodeType="tmRoot"/>
+      </p:par>
+    </p:tnLst>
+  </p:timing>
+</p:sld>
+</file>
+
+<file path=ppt/slides/slide48.xml><?xml version="1.0" encoding="utf-8"?>
+<p:sld xmlns:a="http://schemas.openxmlformats.org/drawingml/2006/main" xmlns:r="http://schemas.openxmlformats.org/officeDocument/2006/relationships" xmlns:p="http://schemas.openxmlformats.org/presentationml/2006/main">
+  <p:cSld>
+    <p:spTree>
+      <p:nvGrpSpPr>
+        <p:cNvPr id="1" name=""/>
+        <p:cNvGrpSpPr/>
+        <p:nvPr/>
+      </p:nvGrpSpPr>
+      <p:grpSpPr>
+        <a:xfrm>
+          <a:off x="0" y="0"/>
+          <a:ext cx="0" cy="0"/>
+          <a:chOff x="0" y="0"/>
+          <a:chExt cx="0" cy="0"/>
+        </a:xfrm>
+      </p:grpSpPr>
+      <p:sp>
+        <p:nvSpPr>
+          <p:cNvPr id="2" name="제목 1"/>
+          <p:cNvSpPr>
+            <a:spLocks noGrp="1"/>
+          </p:cNvSpPr>
+          <p:nvPr>
+            <p:ph type="title"/>
+          </p:nvPr>
+        </p:nvSpPr>
+        <p:spPr/>
+        <p:txBody>
+          <a:bodyPr/>
+          <a:lstStyle/>
+          <a:p>
+            <a:r>
+              <a:rPr lang="en-US" altLang="ko-KR" dirty="0" smtClean="0"/>
+              <a:t>3.5.4 </a:t>
+            </a:r>
+            <a:r>
+              <a:rPr lang="ko-KR" altLang="en-US" dirty="0" err="1" smtClean="0"/>
+              <a:t>출력층의</a:t>
+            </a:r>
+            <a:r>
+              <a:rPr lang="ko-KR" altLang="en-US" dirty="0" smtClean="0"/>
+              <a:t> 뉴런 수 정하기</a:t>
+            </a:r>
+            <a:endParaRPr lang="ko-KR" altLang="en-US" dirty="0"/>
+          </a:p>
+        </p:txBody>
+      </p:sp>
+      <p:sp>
+        <p:nvSpPr>
+          <p:cNvPr id="3" name="내용 개체 틀 2"/>
+          <p:cNvSpPr>
+            <a:spLocks noGrp="1"/>
+          </p:cNvSpPr>
+          <p:nvPr>
+            <p:ph idx="1"/>
+          </p:nvPr>
+        </p:nvSpPr>
+        <p:spPr/>
+        <p:txBody>
+          <a:bodyPr/>
+          <a:lstStyle/>
+          <a:p>
+            <a:r>
+              <a:rPr lang="ko-KR" altLang="en-US" dirty="0" err="1" smtClean="0"/>
+              <a:t>출력층의</a:t>
+            </a:r>
+            <a:r>
+              <a:rPr lang="ko-KR" altLang="en-US" dirty="0" smtClean="0"/>
+              <a:t> 뉴런 개수는 어떻게 정해야 하나요</a:t>
+            </a:r>
+            <a:r>
+              <a:rPr lang="en-US" altLang="ko-KR" dirty="0" smtClean="0"/>
+              <a:t>?</a:t>
+            </a:r>
+          </a:p>
+          <a:p>
+            <a:pPr lvl="1"/>
+            <a:r>
+              <a:rPr lang="ko-KR" altLang="en-US" dirty="0" smtClean="0"/>
+              <a:t>분류에서는 분류하고 싶은 클래스의 개수로 </a:t>
+            </a:r>
+            <a:r>
+              <a:rPr lang="ko-KR" altLang="en-US" dirty="0" err="1" smtClean="0"/>
+              <a:t>설정하는것이</a:t>
+            </a:r>
+            <a:r>
+              <a:rPr lang="ko-KR" altLang="en-US" dirty="0" smtClean="0"/>
+              <a:t> 일반적입니다</a:t>
+            </a:r>
+            <a:r>
+              <a:rPr lang="en-US" altLang="ko-KR" dirty="0" smtClean="0"/>
+              <a:t>.</a:t>
+            </a:r>
+          </a:p>
+          <a:p>
+            <a:pPr lvl="1"/>
+            <a:endParaRPr lang="en-US" altLang="ko-KR" dirty="0"/>
+          </a:p>
+          <a:p>
+            <a:r>
+              <a:rPr lang="ko-KR" altLang="en-US" dirty="0" err="1" smtClean="0"/>
+              <a:t>손글씨</a:t>
+            </a:r>
+            <a:r>
+              <a:rPr lang="ko-KR" altLang="en-US" dirty="0" smtClean="0"/>
+              <a:t> </a:t>
+            </a:r>
+            <a:r>
+              <a:rPr lang="en-US" altLang="ko-KR" dirty="0" smtClean="0"/>
+              <a:t>0~9</a:t>
+            </a:r>
+            <a:r>
+              <a:rPr lang="ko-KR" altLang="en-US" dirty="0" smtClean="0"/>
+              <a:t>까지 분류하는 문제를 풀려고 하면</a:t>
+            </a:r>
+            <a:r>
+              <a:rPr lang="en-US" altLang="ko-KR" dirty="0" smtClean="0"/>
+              <a:t>, </a:t>
+            </a:r>
+          </a:p>
+          <a:p>
+            <a:pPr lvl="1"/>
+            <a:r>
+              <a:rPr lang="ko-KR" altLang="en-US" dirty="0" err="1" smtClean="0"/>
+              <a:t>출력층을</a:t>
+            </a:r>
+            <a:r>
+              <a:rPr lang="ko-KR" altLang="en-US" dirty="0" smtClean="0"/>
+              <a:t> </a:t>
+            </a:r>
+            <a:r>
+              <a:rPr lang="en-US" altLang="ko-KR" dirty="0" smtClean="0"/>
+              <a:t>10</a:t>
+            </a:r>
+            <a:r>
+              <a:rPr lang="ko-KR" altLang="en-US" dirty="0" smtClean="0"/>
+              <a:t>개 뉴런으로 설정</a:t>
+            </a:r>
+            <a:r>
+              <a:rPr lang="en-US" altLang="ko-KR" dirty="0" smtClean="0"/>
+              <a:t>. </a:t>
+            </a:r>
+            <a:endParaRPr lang="ko-KR" altLang="en-US" dirty="0"/>
+          </a:p>
+        </p:txBody>
+      </p:sp>
+    </p:spTree>
+    <p:extLst>
+      <p:ext uri="{BB962C8B-B14F-4D97-AF65-F5344CB8AC3E}">
+        <p14:creationId xmlns:p14="http://schemas.microsoft.com/office/powerpoint/2010/main" val="2397744884"/>
+      </p:ext>
+    </p:extLst>
+  </p:cSld>
+  <p:clrMapOvr>
+    <a:masterClrMapping/>
+  </p:clrMapOvr>
+  <p:timing>
+    <p:tnLst>
+      <p:par>
+        <p:cTn id="1" dur="indefinite" restart="never" nodeType="tmRoot"/>
+      </p:par>
+    </p:tnLst>
+  </p:timing>
+</p:sld>
+</file>
+
+<file path=ppt/slides/slide49.xml><?xml version="1.0" encoding="utf-8"?>
+<p:sld xmlns:a="http://schemas.openxmlformats.org/drawingml/2006/main" xmlns:r="http://schemas.openxmlformats.org/officeDocument/2006/relationships" xmlns:p="http://schemas.openxmlformats.org/presentationml/2006/main">
+  <p:cSld>
+    <p:spTree>
+      <p:nvGrpSpPr>
+        <p:cNvPr id="1" name=""/>
+        <p:cNvGrpSpPr/>
+        <p:nvPr/>
+      </p:nvGrpSpPr>
+      <p:grpSpPr>
+        <a:xfrm>
+          <a:off x="0" y="0"/>
+          <a:ext cx="0" cy="0"/>
+          <a:chOff x="0" y="0"/>
+          <a:chExt cx="0" cy="0"/>
+        </a:xfrm>
+      </p:grpSpPr>
+      <p:sp>
+        <p:nvSpPr>
+          <p:cNvPr id="2" name="제목 1"/>
+          <p:cNvSpPr>
+            <a:spLocks noGrp="1"/>
+          </p:cNvSpPr>
+          <p:nvPr>
+            <p:ph type="title"/>
+          </p:nvPr>
+        </p:nvSpPr>
+        <p:spPr/>
+        <p:txBody>
+          <a:bodyPr/>
+          <a:lstStyle/>
+          <a:p>
+            <a:r>
+              <a:rPr lang="en-US" altLang="ko-KR" dirty="0" smtClean="0"/>
+              <a:t>3.6 </a:t>
+            </a:r>
+            <a:r>
+              <a:rPr lang="ko-KR" altLang="en-US" dirty="0" err="1" smtClean="0"/>
+              <a:t>손글씨</a:t>
+            </a:r>
+            <a:r>
+              <a:rPr lang="ko-KR" altLang="en-US" dirty="0" smtClean="0"/>
+              <a:t> 숫자 인식</a:t>
+            </a:r>
+            <a:r>
+              <a:rPr lang="en-US" altLang="ko-KR" dirty="0" smtClean="0"/>
+              <a:t>(</a:t>
+            </a:r>
+            <a:r>
+              <a:rPr lang="ko-KR" altLang="en-US" dirty="0" smtClean="0"/>
+              <a:t>실제 응용</a:t>
+            </a:r>
+            <a:r>
+              <a:rPr lang="en-US" altLang="ko-KR" dirty="0" smtClean="0"/>
+              <a:t>)</a:t>
+            </a:r>
+            <a:endParaRPr lang="ko-KR" altLang="en-US" dirty="0"/>
+          </a:p>
+        </p:txBody>
+      </p:sp>
+      <p:sp>
+        <p:nvSpPr>
+          <p:cNvPr id="3" name="내용 개체 틀 2"/>
+          <p:cNvSpPr>
+            <a:spLocks noGrp="1"/>
+          </p:cNvSpPr>
+          <p:nvPr>
+            <p:ph idx="1"/>
+          </p:nvPr>
+        </p:nvSpPr>
+        <p:spPr/>
+        <p:txBody>
+          <a:bodyPr/>
+          <a:lstStyle/>
+          <a:p>
+            <a:r>
+              <a:rPr lang="ko-KR" altLang="en-US" dirty="0" smtClean="0"/>
+              <a:t>신경망의 추론과정 </a:t>
+            </a:r>
+            <a:r>
+              <a:rPr lang="en-US" altLang="ko-KR" dirty="0" smtClean="0"/>
+              <a:t>(</a:t>
+            </a:r>
+            <a:r>
+              <a:rPr lang="ko-KR" altLang="en-US" dirty="0" err="1" smtClean="0"/>
+              <a:t>순전파</a:t>
+            </a:r>
+            <a:r>
+              <a:rPr lang="en-US" altLang="ko-KR" dirty="0" smtClean="0"/>
+              <a:t>, forward propagation)</a:t>
+            </a:r>
+          </a:p>
+          <a:p>
+            <a:endParaRPr lang="en-US" altLang="ko-KR" dirty="0"/>
+          </a:p>
+          <a:p>
+            <a:r>
+              <a:rPr lang="ko-KR" altLang="en-US" dirty="0" smtClean="0"/>
+              <a:t>신경망 문제 해결 단계</a:t>
+            </a:r>
+            <a:endParaRPr lang="en-US" altLang="ko-KR" dirty="0" smtClean="0"/>
+          </a:p>
+          <a:p>
+            <a:pPr lvl="1"/>
+            <a:r>
+              <a:rPr lang="ko-KR" altLang="en-US" dirty="0" smtClean="0"/>
+              <a:t>훈련</a:t>
+            </a:r>
+            <a:r>
+              <a:rPr lang="en-US" altLang="ko-KR" dirty="0" smtClean="0"/>
+              <a:t>(</a:t>
+            </a:r>
+            <a:r>
+              <a:rPr lang="ko-KR" altLang="en-US" dirty="0" err="1" smtClean="0"/>
+              <a:t>이번장에서는</a:t>
+            </a:r>
+            <a:r>
+              <a:rPr lang="ko-KR" altLang="en-US" dirty="0" smtClean="0"/>
+              <a:t> 생략</a:t>
+            </a:r>
+            <a:r>
+              <a:rPr lang="en-US" altLang="ko-KR" dirty="0" smtClean="0"/>
+              <a:t>)</a:t>
+            </a:r>
+          </a:p>
+          <a:p>
+            <a:pPr lvl="1"/>
+            <a:r>
+              <a:rPr lang="ko-KR" altLang="en-US" dirty="0" smtClean="0"/>
+              <a:t>추론</a:t>
+            </a:r>
+            <a:endParaRPr lang="en-US" altLang="ko-KR" dirty="0" smtClean="0"/>
+          </a:p>
+          <a:p>
+            <a:endParaRPr lang="en-US" altLang="ko-KR" dirty="0" smtClean="0"/>
+          </a:p>
+          <a:p>
+            <a:r>
+              <a:rPr lang="ko-KR" altLang="en-US" dirty="0" smtClean="0"/>
+              <a:t>해결하려는 문제</a:t>
+            </a:r>
+            <a:r>
+              <a:rPr lang="en-US" altLang="ko-KR" dirty="0" smtClean="0"/>
+              <a:t>,</a:t>
+            </a:r>
+          </a:p>
+          <a:p>
+            <a:pPr lvl="1"/>
+            <a:r>
+              <a:rPr lang="ko-KR" altLang="en-US" dirty="0" smtClean="0"/>
+              <a:t>어떤 숫자 이미자가 입력되었을 때</a:t>
+            </a:r>
+            <a:r>
+              <a:rPr lang="en-US" altLang="ko-KR" dirty="0" smtClean="0"/>
+              <a:t>, </a:t>
+            </a:r>
+            <a:r>
+              <a:rPr lang="ko-KR" altLang="en-US" dirty="0" smtClean="0"/>
+              <a:t>그 </a:t>
+            </a:r>
+            <a:r>
+              <a:rPr lang="ko-KR" altLang="en-US" dirty="0" err="1" smtClean="0"/>
+              <a:t>이미지안의</a:t>
+            </a:r>
+            <a:r>
+              <a:rPr lang="ko-KR" altLang="en-US" dirty="0" smtClean="0"/>
+              <a:t> 숫자가 몇인가를 분류하는 문제</a:t>
+            </a:r>
+            <a:r>
+              <a:rPr lang="en-US" altLang="ko-KR" dirty="0" smtClean="0"/>
+              <a:t>.</a:t>
+            </a:r>
+            <a:endParaRPr lang="en-US" altLang="ko-KR" dirty="0"/>
+          </a:p>
+          <a:p>
+            <a:endParaRPr lang="ko-KR" altLang="en-US" dirty="0"/>
+          </a:p>
+        </p:txBody>
+      </p:sp>
+      <p:pic>
+        <p:nvPicPr>
+          <p:cNvPr id="4" name="그림 3"/>
+          <p:cNvPicPr>
+            <a:picLocks noChangeAspect="1"/>
+          </p:cNvPicPr>
+          <p:nvPr/>
+        </p:nvPicPr>
+        <p:blipFill>
+          <a:blip r:embed="rId2">
+            <a:extLst>
+              <a:ext uri="{28A0092B-C50C-407E-A947-70E740481C1C}">
+                <a14:useLocalDpi xmlns:a14="http://schemas.microsoft.com/office/drawing/2010/main" val="0"/>
+              </a:ext>
+            </a:extLst>
+          </a:blip>
+          <a:stretch>
+            <a:fillRect/>
+          </a:stretch>
+        </p:blipFill>
+        <p:spPr>
+          <a:xfrm>
+            <a:off x="838200" y="5135509"/>
+            <a:ext cx="4724643" cy="1041454"/>
+          </a:xfrm>
+          <a:prstGeom prst="rect">
+            <a:avLst/>
+          </a:prstGeom>
+        </p:spPr>
+      </p:pic>
+      <p:pic>
+        <p:nvPicPr>
+          <p:cNvPr id="5" name="그림 4"/>
+          <p:cNvPicPr>
+            <a:picLocks noChangeAspect="1"/>
+          </p:cNvPicPr>
+          <p:nvPr/>
+        </p:nvPicPr>
+        <p:blipFill rotWithShape="1">
+          <a:blip r:embed="rId3">
+            <a:extLst>
+              <a:ext uri="{28A0092B-C50C-407E-A947-70E740481C1C}">
+                <a14:useLocalDpi xmlns:a14="http://schemas.microsoft.com/office/drawing/2010/main" val="0"/>
+              </a:ext>
+            </a:extLst>
+          </a:blip>
+          <a:srcRect l="45154" t="47507" r="44041" b="29870"/>
+          <a:stretch/>
+        </p:blipFill>
+        <p:spPr>
+          <a:xfrm>
+            <a:off x="6987654" y="5309821"/>
+            <a:ext cx="750628" cy="655093"/>
+          </a:xfrm>
+          <a:prstGeom prst="rect">
+            <a:avLst/>
+          </a:prstGeom>
+        </p:spPr>
+      </p:pic>
+      <p:sp>
+        <p:nvSpPr>
+          <p:cNvPr id="6" name="TextBox 5"/>
+          <p:cNvSpPr txBox="1"/>
+          <p:nvPr/>
+        </p:nvSpPr>
+        <p:spPr>
+          <a:xfrm>
+            <a:off x="8027248" y="5452701"/>
+            <a:ext cx="3408305" cy="369332"/>
+          </a:xfrm>
+          <a:prstGeom prst="rect">
+            <a:avLst/>
+          </a:prstGeom>
+          <a:noFill/>
+        </p:spPr>
+        <p:txBody>
+          <a:bodyPr wrap="none" rtlCol="0">
+            <a:spAutoFit/>
+          </a:bodyPr>
+          <a:lstStyle/>
+          <a:p>
+            <a:r>
+              <a:rPr lang="ko-KR" altLang="en-US" dirty="0" smtClean="0"/>
+              <a:t>이것이 </a:t>
+            </a:r>
+            <a:r>
+              <a:rPr lang="en-US" altLang="ko-KR" dirty="0" smtClean="0"/>
+              <a:t>5</a:t>
+            </a:r>
+            <a:r>
+              <a:rPr lang="ko-KR" altLang="en-US" dirty="0" smtClean="0"/>
+              <a:t>라고 알아 맞추는 문제</a:t>
+            </a:r>
+            <a:endParaRPr lang="ko-KR" altLang="en-US" dirty="0"/>
+          </a:p>
+        </p:txBody>
+      </p:sp>
+    </p:spTree>
+    <p:extLst>
+      <p:ext uri="{BB962C8B-B14F-4D97-AF65-F5344CB8AC3E}">
+        <p14:creationId xmlns:p14="http://schemas.microsoft.com/office/powerpoint/2010/main" val="2493773812"/>
       </p:ext>
     </p:extLst>
   </p:cSld>
@@ -7937,6 +11226,713 @@
     <p:extLst>
       <p:ext uri="{BB962C8B-B14F-4D97-AF65-F5344CB8AC3E}">
         <p14:creationId xmlns:p14="http://schemas.microsoft.com/office/powerpoint/2010/main" val="78916875"/>
+      </p:ext>
+    </p:extLst>
+  </p:cSld>
+  <p:clrMapOvr>
+    <a:masterClrMapping/>
+  </p:clrMapOvr>
+  <p:timing>
+    <p:tnLst>
+      <p:par>
+        <p:cTn id="1" dur="indefinite" restart="never" nodeType="tmRoot"/>
+      </p:par>
+    </p:tnLst>
+  </p:timing>
+</p:sld>
+</file>
+
+<file path=ppt/slides/slide50.xml><?xml version="1.0" encoding="utf-8"?>
+<p:sld xmlns:a="http://schemas.openxmlformats.org/drawingml/2006/main" xmlns:r="http://schemas.openxmlformats.org/officeDocument/2006/relationships" xmlns:p="http://schemas.openxmlformats.org/presentationml/2006/main">
+  <p:cSld>
+    <p:spTree>
+      <p:nvGrpSpPr>
+        <p:cNvPr id="1" name=""/>
+        <p:cNvGrpSpPr/>
+        <p:nvPr/>
+      </p:nvGrpSpPr>
+      <p:grpSpPr>
+        <a:xfrm>
+          <a:off x="0" y="0"/>
+          <a:ext cx="0" cy="0"/>
+          <a:chOff x="0" y="0"/>
+          <a:chExt cx="0" cy="0"/>
+        </a:xfrm>
+      </p:grpSpPr>
+      <p:sp>
+        <p:nvSpPr>
+          <p:cNvPr id="2" name="제목 1"/>
+          <p:cNvSpPr>
+            <a:spLocks noGrp="1"/>
+          </p:cNvSpPr>
+          <p:nvPr>
+            <p:ph type="title"/>
+          </p:nvPr>
+        </p:nvSpPr>
+        <p:spPr>
+          <a:xfrm>
+            <a:off x="688074" y="2917256"/>
+            <a:ext cx="10515600" cy="1325563"/>
+          </a:xfrm>
+        </p:spPr>
+        <p:txBody>
+          <a:bodyPr>
+            <a:normAutofit fontScale="90000"/>
+          </a:bodyPr>
+          <a:lstStyle/>
+          <a:p>
+            <a:r>
+              <a:rPr lang="ko-KR" altLang="en-US" dirty="0" smtClean="0"/>
+              <a:t>우리는 이미 </a:t>
+            </a:r>
+            <a:r>
+              <a:rPr lang="en-US" altLang="ko-KR" dirty="0" smtClean="0"/>
+              <a:t>Python </a:t>
+            </a:r>
+            <a:r>
+              <a:rPr lang="ko-KR" altLang="en-US" sz="1200" dirty="0" smtClean="0"/>
+              <a:t>판독</a:t>
+            </a:r>
+            <a:r>
+              <a:rPr lang="ko-KR" altLang="en-US" dirty="0" smtClean="0"/>
+              <a:t>전문가 입니다</a:t>
+            </a:r>
+            <a:r>
+              <a:rPr lang="en-US" altLang="ko-KR" dirty="0" smtClean="0"/>
+              <a:t>. </a:t>
+            </a:r>
+            <a:r>
+              <a:rPr lang="zh-CN" altLang="en-US" dirty="0" smtClean="0"/>
+              <a:t>不信吗？</a:t>
+            </a:r>
+            <a:r>
+              <a:rPr lang="en-US" altLang="ko-KR" dirty="0" smtClean="0"/>
+              <a:t> </a:t>
+            </a:r>
+            <a:br>
+              <a:rPr lang="en-US" altLang="ko-KR" dirty="0" smtClean="0"/>
+            </a:br>
+            <a:r>
+              <a:rPr lang="en-US" altLang="ko-KR" dirty="0" smtClean="0"/>
+              <a:t/>
+            </a:r>
+            <a:br>
+              <a:rPr lang="en-US" altLang="ko-KR" dirty="0" smtClean="0"/>
+            </a:br>
+            <a:r>
+              <a:rPr lang="en-US" altLang="ko-KR" sz="1600" dirty="0" smtClean="0"/>
+              <a:t>(</a:t>
+            </a:r>
+            <a:r>
+              <a:rPr lang="ko-KR" altLang="en-US" sz="1600" dirty="0" smtClean="0"/>
+              <a:t>물론</a:t>
+            </a:r>
+            <a:r>
+              <a:rPr lang="en-US" altLang="ko-KR" sz="1600" dirty="0" smtClean="0"/>
+              <a:t>, </a:t>
+            </a:r>
+            <a:r>
+              <a:rPr lang="ko-KR" altLang="en-US" sz="1600" dirty="0" smtClean="0"/>
+              <a:t>자기 혼자서 </a:t>
+            </a:r>
+            <a:r>
+              <a:rPr lang="ko-KR" altLang="en-US" sz="1600" dirty="0" err="1" smtClean="0"/>
+              <a:t>코딩해라고</a:t>
+            </a:r>
+            <a:r>
+              <a:rPr lang="ko-KR" altLang="en-US" sz="1600" dirty="0" smtClean="0"/>
+              <a:t> 하면 어렵지만</a:t>
+            </a:r>
+            <a:r>
+              <a:rPr lang="en-US" altLang="ko-KR" sz="1600" dirty="0" smtClean="0"/>
+              <a:t>)</a:t>
+            </a:r>
+            <a:endParaRPr lang="ko-KR" altLang="en-US" sz="1600" dirty="0"/>
+          </a:p>
+        </p:txBody>
+      </p:sp>
+    </p:spTree>
+    <p:extLst>
+      <p:ext uri="{BB962C8B-B14F-4D97-AF65-F5344CB8AC3E}">
+        <p14:creationId xmlns:p14="http://schemas.microsoft.com/office/powerpoint/2010/main" val="2681086522"/>
+      </p:ext>
+    </p:extLst>
+  </p:cSld>
+  <p:clrMapOvr>
+    <a:masterClrMapping/>
+  </p:clrMapOvr>
+  <p:timing>
+    <p:tnLst>
+      <p:par>
+        <p:cTn id="1" dur="indefinite" restart="never" nodeType="tmRoot"/>
+      </p:par>
+    </p:tnLst>
+  </p:timing>
+</p:sld>
+</file>
+
+<file path=ppt/slides/slide51.xml><?xml version="1.0" encoding="utf-8"?>
+<p:sld xmlns:a="http://schemas.openxmlformats.org/drawingml/2006/main" xmlns:r="http://schemas.openxmlformats.org/officeDocument/2006/relationships" xmlns:p="http://schemas.openxmlformats.org/presentationml/2006/main">
+  <p:cSld>
+    <p:spTree>
+      <p:nvGrpSpPr>
+        <p:cNvPr id="1" name=""/>
+        <p:cNvGrpSpPr/>
+        <p:nvPr/>
+      </p:nvGrpSpPr>
+      <p:grpSpPr>
+        <a:xfrm>
+          <a:off x="0" y="0"/>
+          <a:ext cx="0" cy="0"/>
+          <a:chOff x="0" y="0"/>
+          <a:chExt cx="0" cy="0"/>
+        </a:xfrm>
+      </p:grpSpPr>
+      <p:sp>
+        <p:nvSpPr>
+          <p:cNvPr id="2" name="제목 1"/>
+          <p:cNvSpPr>
+            <a:spLocks noGrp="1"/>
+          </p:cNvSpPr>
+          <p:nvPr>
+            <p:ph type="title"/>
+          </p:nvPr>
+        </p:nvSpPr>
+        <p:spPr/>
+        <p:txBody>
+          <a:bodyPr/>
+          <a:lstStyle/>
+          <a:p>
+            <a:r>
+              <a:rPr lang="ko-KR" altLang="en-US" dirty="0" smtClean="0"/>
+              <a:t>자</a:t>
+            </a:r>
+            <a:r>
+              <a:rPr lang="en-US" altLang="ko-KR" dirty="0" smtClean="0"/>
+              <a:t>, </a:t>
+            </a:r>
+            <a:r>
+              <a:rPr lang="ko-KR" altLang="en-US" dirty="0" smtClean="0"/>
+              <a:t>한번 판독해볼까요</a:t>
+            </a:r>
+            <a:r>
+              <a:rPr lang="en-US" altLang="ko-KR" dirty="0" smtClean="0"/>
+              <a:t>?</a:t>
+            </a:r>
+            <a:endParaRPr lang="ko-KR" altLang="en-US" dirty="0"/>
+          </a:p>
+        </p:txBody>
+      </p:sp>
+      <p:pic>
+        <p:nvPicPr>
+          <p:cNvPr id="3" name="그림 2"/>
+          <p:cNvPicPr>
+            <a:picLocks noChangeAspect="1"/>
+          </p:cNvPicPr>
+          <p:nvPr/>
+        </p:nvPicPr>
+        <p:blipFill>
+          <a:blip r:embed="rId2"/>
+          <a:stretch>
+            <a:fillRect/>
+          </a:stretch>
+        </p:blipFill>
+        <p:spPr>
+          <a:xfrm>
+            <a:off x="838200" y="1659693"/>
+            <a:ext cx="9561394" cy="5198307"/>
+          </a:xfrm>
+          <a:prstGeom prst="rect">
+            <a:avLst/>
+          </a:prstGeom>
+        </p:spPr>
+      </p:pic>
+    </p:spTree>
+    <p:extLst>
+      <p:ext uri="{BB962C8B-B14F-4D97-AF65-F5344CB8AC3E}">
+        <p14:creationId xmlns:p14="http://schemas.microsoft.com/office/powerpoint/2010/main" val="1083554681"/>
+      </p:ext>
+    </p:extLst>
+  </p:cSld>
+  <p:clrMapOvr>
+    <a:masterClrMapping/>
+  </p:clrMapOvr>
+  <p:timing>
+    <p:tnLst>
+      <p:par>
+        <p:cTn id="1" dur="indefinite" restart="never" nodeType="tmRoot"/>
+      </p:par>
+    </p:tnLst>
+  </p:timing>
+</p:sld>
+</file>
+
+<file path=ppt/slides/slide52.xml><?xml version="1.0" encoding="utf-8"?>
+<p:sld xmlns:a="http://schemas.openxmlformats.org/drawingml/2006/main" xmlns:r="http://schemas.openxmlformats.org/officeDocument/2006/relationships" xmlns:p="http://schemas.openxmlformats.org/presentationml/2006/main">
+  <p:cSld>
+    <p:spTree>
+      <p:nvGrpSpPr>
+        <p:cNvPr id="1" name=""/>
+        <p:cNvGrpSpPr/>
+        <p:nvPr/>
+      </p:nvGrpSpPr>
+      <p:grpSpPr>
+        <a:xfrm>
+          <a:off x="0" y="0"/>
+          <a:ext cx="0" cy="0"/>
+          <a:chOff x="0" y="0"/>
+          <a:chExt cx="0" cy="0"/>
+        </a:xfrm>
+      </p:grpSpPr>
+      <p:sp>
+        <p:nvSpPr>
+          <p:cNvPr id="2" name="제목 1"/>
+          <p:cNvSpPr>
+            <a:spLocks noGrp="1"/>
+          </p:cNvSpPr>
+          <p:nvPr>
+            <p:ph type="title"/>
+          </p:nvPr>
+        </p:nvSpPr>
+        <p:spPr/>
+        <p:txBody>
+          <a:bodyPr/>
+          <a:lstStyle/>
+          <a:p>
+            <a:r>
+              <a:rPr lang="en-US" altLang="ko-KR" dirty="0" smtClean="0"/>
+              <a:t>3.6.2 </a:t>
+            </a:r>
+            <a:r>
+              <a:rPr lang="ko-KR" altLang="en-US" dirty="0" smtClean="0"/>
+              <a:t>신경망의 추론 </a:t>
+            </a:r>
+            <a:r>
+              <a:rPr lang="ko-KR" altLang="en-US" dirty="0" err="1" smtClean="0"/>
+              <a:t>처러ㅣ</a:t>
+            </a:r>
+            <a:endParaRPr lang="ko-KR" altLang="en-US" dirty="0"/>
+          </a:p>
+        </p:txBody>
+      </p:sp>
+      <p:sp>
+        <p:nvSpPr>
+          <p:cNvPr id="3" name="직사각형 2"/>
+          <p:cNvSpPr/>
+          <p:nvPr/>
+        </p:nvSpPr>
+        <p:spPr>
+          <a:xfrm>
+            <a:off x="7884581" y="1027906"/>
+            <a:ext cx="3469219" cy="369332"/>
+          </a:xfrm>
+          <a:prstGeom prst="rect">
+            <a:avLst/>
+          </a:prstGeom>
+        </p:spPr>
+        <p:txBody>
+          <a:bodyPr wrap="none">
+            <a:spAutoFit/>
+          </a:bodyPr>
+          <a:lstStyle/>
+          <a:p>
+            <a:r>
+              <a:rPr lang="ko-KR" altLang="en-US" dirty="0" smtClean="0"/>
+              <a:t>3.6.2_nn_mnist.ipynb 파일 참고</a:t>
+            </a:r>
+            <a:r>
+              <a:rPr lang="en-US" altLang="ko-KR" dirty="0" smtClean="0"/>
+              <a:t>.</a:t>
+            </a:r>
+            <a:endParaRPr lang="ko-KR" altLang="en-US" dirty="0"/>
+          </a:p>
+        </p:txBody>
+      </p:sp>
+      <p:pic>
+        <p:nvPicPr>
+          <p:cNvPr id="4" name="그림 3"/>
+          <p:cNvPicPr>
+            <a:picLocks noChangeAspect="1"/>
+          </p:cNvPicPr>
+          <p:nvPr/>
+        </p:nvPicPr>
+        <p:blipFill>
+          <a:blip r:embed="rId2"/>
+          <a:stretch>
+            <a:fillRect/>
+          </a:stretch>
+        </p:blipFill>
+        <p:spPr>
+          <a:xfrm>
+            <a:off x="838200" y="1526916"/>
+            <a:ext cx="9684224" cy="5139008"/>
+          </a:xfrm>
+          <a:prstGeom prst="rect">
+            <a:avLst/>
+          </a:prstGeom>
+        </p:spPr>
+      </p:pic>
+      <p:sp>
+        <p:nvSpPr>
+          <p:cNvPr id="5" name="직사각형 4"/>
+          <p:cNvSpPr/>
+          <p:nvPr/>
+        </p:nvSpPr>
+        <p:spPr>
+          <a:xfrm>
+            <a:off x="5950424" y="3002507"/>
+            <a:ext cx="3668766" cy="368490"/>
+          </a:xfrm>
+          <a:prstGeom prst="rect">
+            <a:avLst/>
+          </a:prstGeom>
+          <a:noFill/>
+          <a:ln w="28575">
+            <a:solidFill>
+              <a:srgbClr val="C00000"/>
+            </a:solidFill>
+          </a:ln>
+        </p:spPr>
+        <p:style>
+          <a:lnRef idx="2">
+            <a:schemeClr val="accent1">
+              <a:shade val="50000"/>
+            </a:schemeClr>
+          </a:lnRef>
+          <a:fillRef idx="1">
+            <a:schemeClr val="accent1"/>
+          </a:fillRef>
+          <a:effectRef idx="0">
+            <a:schemeClr val="accent1"/>
+          </a:effectRef>
+          <a:fontRef idx="minor">
+            <a:schemeClr val="lt1"/>
+          </a:fontRef>
+        </p:style>
+        <p:txBody>
+          <a:bodyPr rtlCol="0" anchor="ctr"/>
+          <a:lstStyle/>
+          <a:p>
+            <a:pPr algn="ctr"/>
+            <a:endParaRPr lang="ko-KR" altLang="en-US"/>
+          </a:p>
+        </p:txBody>
+      </p:sp>
+    </p:spTree>
+    <p:extLst>
+      <p:ext uri="{BB962C8B-B14F-4D97-AF65-F5344CB8AC3E}">
+        <p14:creationId xmlns:p14="http://schemas.microsoft.com/office/powerpoint/2010/main" val="2172369334"/>
+      </p:ext>
+    </p:extLst>
+  </p:cSld>
+  <p:clrMapOvr>
+    <a:masterClrMapping/>
+  </p:clrMapOvr>
+  <p:timing>
+    <p:tnLst>
+      <p:par>
+        <p:cTn id="1" dur="indefinite" restart="never" nodeType="tmRoot"/>
+      </p:par>
+    </p:tnLst>
+  </p:timing>
+</p:sld>
+</file>
+
+<file path=ppt/slides/slide53.xml><?xml version="1.0" encoding="utf-8"?>
+<p:sld xmlns:a="http://schemas.openxmlformats.org/drawingml/2006/main" xmlns:r="http://schemas.openxmlformats.org/officeDocument/2006/relationships" xmlns:p="http://schemas.openxmlformats.org/presentationml/2006/main">
+  <p:cSld>
+    <p:spTree>
+      <p:nvGrpSpPr>
+        <p:cNvPr id="1" name=""/>
+        <p:cNvGrpSpPr/>
+        <p:nvPr/>
+      </p:nvGrpSpPr>
+      <p:grpSpPr>
+        <a:xfrm>
+          <a:off x="0" y="0"/>
+          <a:ext cx="0" cy="0"/>
+          <a:chOff x="0" y="0"/>
+          <a:chExt cx="0" cy="0"/>
+        </a:xfrm>
+      </p:grpSpPr>
+      <p:sp>
+        <p:nvSpPr>
+          <p:cNvPr id="2" name="제목 1"/>
+          <p:cNvSpPr>
+            <a:spLocks noGrp="1"/>
+          </p:cNvSpPr>
+          <p:nvPr>
+            <p:ph type="title"/>
+          </p:nvPr>
+        </p:nvSpPr>
+        <p:spPr/>
+        <p:txBody>
+          <a:bodyPr/>
+          <a:lstStyle/>
+          <a:p>
+            <a:r>
+              <a:rPr lang="ko-KR" altLang="en-US" dirty="0" smtClean="0"/>
+              <a:t>정리</a:t>
+            </a:r>
+            <a:endParaRPr lang="ko-KR" altLang="en-US" dirty="0"/>
+          </a:p>
+        </p:txBody>
+      </p:sp>
+      <p:sp>
+        <p:nvSpPr>
+          <p:cNvPr id="3" name="내용 개체 틀 2"/>
+          <p:cNvSpPr>
+            <a:spLocks noGrp="1"/>
+          </p:cNvSpPr>
+          <p:nvPr>
+            <p:ph idx="1"/>
+          </p:nvPr>
+        </p:nvSpPr>
+        <p:spPr/>
+        <p:txBody>
+          <a:bodyPr/>
+          <a:lstStyle/>
+          <a:p>
+            <a:r>
+              <a:rPr lang="en-US" altLang="ko-KR" dirty="0" smtClean="0"/>
+              <a:t>3.6.3</a:t>
+            </a:r>
+            <a:r>
+              <a:rPr lang="ko-KR" altLang="en-US" dirty="0" smtClean="0"/>
+              <a:t>은</a:t>
+            </a:r>
+            <a:r>
+              <a:rPr lang="en-US" altLang="ko-KR" dirty="0" smtClean="0"/>
+              <a:t> </a:t>
+            </a:r>
+            <a:r>
+              <a:rPr lang="ko-KR" altLang="en-US" dirty="0" smtClean="0"/>
+              <a:t>자체적으로 집에서 </a:t>
+            </a:r>
+            <a:r>
+              <a:rPr lang="ko-KR" altLang="en-US" dirty="0" err="1" smtClean="0"/>
+              <a:t>열독하는</a:t>
+            </a:r>
+            <a:r>
+              <a:rPr lang="ko-KR" altLang="en-US" dirty="0" smtClean="0"/>
+              <a:t> 것으로</a:t>
+            </a:r>
+            <a:r>
+              <a:rPr lang="en-US" altLang="ko-KR" dirty="0" smtClean="0"/>
+              <a:t>~</a:t>
+            </a:r>
+          </a:p>
+          <a:p>
+            <a:r>
+              <a:rPr lang="ko-KR" altLang="en-US" dirty="0" smtClean="0"/>
+              <a:t>활성화 함수</a:t>
+            </a:r>
+            <a:endParaRPr lang="en-US" altLang="ko-KR" dirty="0" smtClean="0"/>
+          </a:p>
+          <a:p>
+            <a:pPr lvl="1"/>
+            <a:r>
+              <a:rPr lang="ko-KR" altLang="en-US" dirty="0" err="1" smtClean="0"/>
+              <a:t>시그모이드</a:t>
+            </a:r>
+            <a:r>
+              <a:rPr lang="en-US" altLang="ko-KR" dirty="0" smtClean="0"/>
+              <a:t>, </a:t>
+            </a:r>
+            <a:r>
+              <a:rPr lang="en-US" altLang="ko-KR" dirty="0" err="1" smtClean="0"/>
+              <a:t>ReLU</a:t>
+            </a:r>
+            <a:r>
+              <a:rPr lang="en-US" altLang="ko-KR" dirty="0" smtClean="0"/>
+              <a:t>, </a:t>
+            </a:r>
+          </a:p>
+          <a:p>
+            <a:r>
+              <a:rPr lang="en-US" altLang="ko-KR" dirty="0" err="1" smtClean="0"/>
+              <a:t>Numpy</a:t>
+            </a:r>
+            <a:r>
+              <a:rPr lang="en-US" altLang="ko-KR" dirty="0" smtClean="0"/>
+              <a:t> </a:t>
+            </a:r>
+            <a:r>
+              <a:rPr lang="ko-KR" altLang="en-US" dirty="0" smtClean="0"/>
+              <a:t>다차원 배열을 잘 사용하면 신경망 효율적으로 구현 할 수 있다</a:t>
+            </a:r>
+            <a:r>
+              <a:rPr lang="en-US" altLang="ko-KR" dirty="0" smtClean="0"/>
+              <a:t>.</a:t>
+            </a:r>
+          </a:p>
+          <a:p>
+            <a:r>
+              <a:rPr lang="ko-KR" altLang="en-US" dirty="0" smtClean="0"/>
+              <a:t>기계 학습 문제는 크게</a:t>
+            </a:r>
+            <a:r>
+              <a:rPr lang="en-US" altLang="ko-KR" dirty="0" smtClean="0"/>
+              <a:t>, </a:t>
+            </a:r>
+            <a:r>
+              <a:rPr lang="ko-KR" altLang="en-US" dirty="0" smtClean="0"/>
+              <a:t>분류</a:t>
+            </a:r>
+            <a:r>
+              <a:rPr lang="en-US" altLang="ko-KR" dirty="0" smtClean="0"/>
+              <a:t>+</a:t>
+            </a:r>
+            <a:r>
+              <a:rPr lang="ko-KR" altLang="en-US" dirty="0" smtClean="0"/>
+              <a:t>회귀로 </a:t>
+            </a:r>
+            <a:r>
+              <a:rPr lang="ko-KR" altLang="en-US" dirty="0" err="1" smtClean="0"/>
+              <a:t>나눌수</a:t>
+            </a:r>
+            <a:r>
+              <a:rPr lang="ko-KR" altLang="en-US" dirty="0" smtClean="0"/>
+              <a:t> 있다</a:t>
+            </a:r>
+            <a:r>
+              <a:rPr lang="en-US" altLang="ko-KR" dirty="0" smtClean="0"/>
+              <a:t>.</a:t>
+            </a:r>
+          </a:p>
+          <a:p>
+            <a:r>
+              <a:rPr lang="ko-KR" altLang="en-US" dirty="0" err="1" smtClean="0"/>
+              <a:t>출력층의</a:t>
+            </a:r>
+            <a:r>
+              <a:rPr lang="ko-KR" altLang="en-US" dirty="0" smtClean="0"/>
+              <a:t> 활성화 함수</a:t>
+            </a:r>
+            <a:endParaRPr lang="en-US" altLang="ko-KR" dirty="0" smtClean="0"/>
+          </a:p>
+          <a:p>
+            <a:pPr lvl="1"/>
+            <a:r>
+              <a:rPr lang="ko-KR" altLang="en-US" dirty="0" smtClean="0"/>
+              <a:t>회귀</a:t>
+            </a:r>
+            <a:r>
+              <a:rPr lang="en-US" altLang="ko-KR" dirty="0" smtClean="0"/>
+              <a:t>: </a:t>
+            </a:r>
+            <a:r>
+              <a:rPr lang="ko-KR" altLang="en-US" dirty="0" err="1" smtClean="0"/>
+              <a:t>항등함수</a:t>
+            </a:r>
+            <a:endParaRPr lang="en-US" altLang="ko-KR" dirty="0" smtClean="0"/>
+          </a:p>
+          <a:p>
+            <a:pPr lvl="1"/>
+            <a:r>
+              <a:rPr lang="ko-KR" altLang="en-US" dirty="0" smtClean="0"/>
+              <a:t>분류</a:t>
+            </a:r>
+            <a:r>
+              <a:rPr lang="en-US" altLang="ko-KR" dirty="0" smtClean="0"/>
+              <a:t>: </a:t>
+            </a:r>
+            <a:r>
+              <a:rPr lang="ko-KR" altLang="en-US" dirty="0" smtClean="0"/>
+              <a:t>소프트 </a:t>
+            </a:r>
+            <a:r>
+              <a:rPr lang="ko-KR" altLang="en-US" dirty="0" err="1" smtClean="0"/>
+              <a:t>맥스</a:t>
+            </a:r>
+            <a:r>
+              <a:rPr lang="en-US" altLang="ko-KR" dirty="0"/>
+              <a:t> </a:t>
+            </a:r>
+            <a:r>
+              <a:rPr lang="en-US" altLang="ko-KR" dirty="0" smtClean="0"/>
+              <a:t>(</a:t>
+            </a:r>
+            <a:r>
+              <a:rPr lang="ko-KR" altLang="en-US" dirty="0" smtClean="0"/>
+              <a:t>구현할 때</a:t>
+            </a:r>
+            <a:r>
+              <a:rPr lang="en-US" altLang="ko-KR" dirty="0" smtClean="0"/>
+              <a:t>, </a:t>
+            </a:r>
+            <a:r>
+              <a:rPr lang="ko-KR" altLang="en-US" dirty="0" smtClean="0"/>
+              <a:t>값이 너무 커지는 것을 방지하기 위해 </a:t>
+            </a:r>
+            <a:r>
+              <a:rPr lang="en-US" altLang="ko-KR" dirty="0" smtClean="0"/>
+              <a:t>Trick </a:t>
+            </a:r>
+            <a:r>
+              <a:rPr lang="ko-KR" altLang="en-US" dirty="0" smtClean="0"/>
+              <a:t>사용</a:t>
+            </a:r>
+            <a:r>
+              <a:rPr lang="en-US" altLang="ko-KR" dirty="0" smtClean="0"/>
+              <a:t>)</a:t>
+            </a:r>
+          </a:p>
+          <a:p>
+            <a:r>
+              <a:rPr lang="ko-KR" altLang="en-US" dirty="0" smtClean="0"/>
+              <a:t>분류에서 </a:t>
+            </a:r>
+            <a:r>
+              <a:rPr lang="ko-KR" altLang="en-US" dirty="0" err="1" smtClean="0"/>
+              <a:t>출력층의</a:t>
+            </a:r>
+            <a:r>
+              <a:rPr lang="ko-KR" altLang="en-US" dirty="0" smtClean="0"/>
+              <a:t> </a:t>
+            </a:r>
+            <a:r>
+              <a:rPr lang="ko-KR" altLang="en-US" dirty="0" err="1" smtClean="0"/>
+              <a:t>뉴런수와</a:t>
+            </a:r>
+            <a:r>
+              <a:rPr lang="ko-KR" altLang="en-US" dirty="0" smtClean="0"/>
+              <a:t> 분류하려는 클래스의 개수를 같게 설정</a:t>
+            </a:r>
+            <a:r>
+              <a:rPr lang="en-US" altLang="ko-KR" dirty="0" smtClean="0"/>
+              <a:t>.</a:t>
+            </a:r>
+          </a:p>
+          <a:p>
+            <a:r>
+              <a:rPr lang="ko-KR" altLang="en-US" dirty="0" smtClean="0"/>
+              <a:t>입력 데이터를 묶은 것을 배치</a:t>
+            </a:r>
+            <a:r>
+              <a:rPr lang="en-US" altLang="ko-KR" dirty="0" smtClean="0"/>
+              <a:t>, </a:t>
+            </a:r>
+            <a:r>
+              <a:rPr lang="ko-KR" altLang="en-US" dirty="0" smtClean="0"/>
+              <a:t>추론 처리를 이 배치 단위로 진행하면 결과를 훨씬 빠르게 얻을 수 있다</a:t>
+            </a:r>
+            <a:r>
+              <a:rPr lang="en-US" altLang="ko-KR" smtClean="0"/>
+              <a:t>.</a:t>
+            </a:r>
+            <a:r>
+              <a:rPr lang="ko-KR" altLang="en-US" smtClean="0"/>
+              <a:t> </a:t>
+            </a:r>
+            <a:endParaRPr lang="ko-KR" altLang="en-US" dirty="0"/>
+          </a:p>
+        </p:txBody>
+      </p:sp>
+    </p:spTree>
+    <p:extLst>
+      <p:ext uri="{BB962C8B-B14F-4D97-AF65-F5344CB8AC3E}">
+        <p14:creationId xmlns:p14="http://schemas.microsoft.com/office/powerpoint/2010/main" val="3709819826"/>
       </p:ext>
     </p:extLst>
   </p:cSld>
